--- a/Materi/5-FullStack Development Training.pptx
+++ b/Materi/5-FullStack Development Training.pptx
@@ -5,7 +5,7 @@
     <p:sldMasterId id="2147483659" r:id="rId1"/>
   </p:sldMasterIdLst>
   <p:notesMasterIdLst>
-    <p:notesMasterId r:id="rId36"/>
+    <p:notesMasterId r:id="rId37"/>
   </p:notesMasterIdLst>
   <p:sldIdLst>
     <p:sldId id="256" r:id="rId2"/>
@@ -19,29 +19,30 @@
     <p:sldId id="265" r:id="rId10"/>
     <p:sldId id="287" r:id="rId11"/>
     <p:sldId id="263" r:id="rId12"/>
-    <p:sldId id="266" r:id="rId13"/>
-    <p:sldId id="267" r:id="rId14"/>
-    <p:sldId id="264" r:id="rId15"/>
-    <p:sldId id="289" r:id="rId16"/>
-    <p:sldId id="268" r:id="rId17"/>
-    <p:sldId id="269" r:id="rId18"/>
-    <p:sldId id="290" r:id="rId19"/>
-    <p:sldId id="279" r:id="rId20"/>
-    <p:sldId id="270" r:id="rId21"/>
-    <p:sldId id="271" r:id="rId22"/>
-    <p:sldId id="284" r:id="rId23"/>
-    <p:sldId id="286" r:id="rId24"/>
-    <p:sldId id="283" r:id="rId25"/>
-    <p:sldId id="285" r:id="rId26"/>
-    <p:sldId id="281" r:id="rId27"/>
-    <p:sldId id="272" r:id="rId28"/>
-    <p:sldId id="273" r:id="rId29"/>
-    <p:sldId id="282" r:id="rId30"/>
-    <p:sldId id="274" r:id="rId31"/>
-    <p:sldId id="275" r:id="rId32"/>
-    <p:sldId id="276" r:id="rId33"/>
-    <p:sldId id="277" r:id="rId34"/>
-    <p:sldId id="278" r:id="rId35"/>
+    <p:sldId id="291" r:id="rId13"/>
+    <p:sldId id="266" r:id="rId14"/>
+    <p:sldId id="267" r:id="rId15"/>
+    <p:sldId id="264" r:id="rId16"/>
+    <p:sldId id="289" r:id="rId17"/>
+    <p:sldId id="268" r:id="rId18"/>
+    <p:sldId id="269" r:id="rId19"/>
+    <p:sldId id="290" r:id="rId20"/>
+    <p:sldId id="279" r:id="rId21"/>
+    <p:sldId id="270" r:id="rId22"/>
+    <p:sldId id="271" r:id="rId23"/>
+    <p:sldId id="284" r:id="rId24"/>
+    <p:sldId id="286" r:id="rId25"/>
+    <p:sldId id="283" r:id="rId26"/>
+    <p:sldId id="285" r:id="rId27"/>
+    <p:sldId id="281" r:id="rId28"/>
+    <p:sldId id="272" r:id="rId29"/>
+    <p:sldId id="273" r:id="rId30"/>
+    <p:sldId id="282" r:id="rId31"/>
+    <p:sldId id="274" r:id="rId32"/>
+    <p:sldId id="275" r:id="rId33"/>
+    <p:sldId id="276" r:id="rId34"/>
+    <p:sldId id="277" r:id="rId35"/>
+    <p:sldId id="278" r:id="rId36"/>
   </p:sldIdLst>
   <p:sldSz cx="9144000" cy="5143500" type="screen16x9"/>
   <p:notesSz cx="6858000" cy="9144000"/>
@@ -5871,6 +5872,208 @@
             <p:ph type="title"/>
           </p:nvPr>
         </p:nvSpPr>
+        <p:spPr/>
+        <p:txBody>
+          <a:bodyPr/>
+          <a:lstStyle/>
+          <a:p>
+            <a:r>
+              <a:rPr lang="en-US" dirty="0" smtClean="0"/>
+              <a:t>GIT CONFIG</a:t>
+            </a:r>
+            <a:endParaRPr lang="en-US" dirty="0"/>
+          </a:p>
+        </p:txBody>
+      </p:sp>
+      <p:sp>
+        <p:nvSpPr>
+          <p:cNvPr id="3" name="Text Placeholder 2"/>
+          <p:cNvSpPr>
+            <a:spLocks noGrp="1"/>
+          </p:cNvSpPr>
+          <p:nvPr>
+            <p:ph type="body" idx="1"/>
+          </p:nvPr>
+        </p:nvSpPr>
+        <p:spPr/>
+        <p:txBody>
+          <a:bodyPr/>
+          <a:lstStyle/>
+          <a:p>
+            <a:pPr lvl="0">
+              <a:lnSpc>
+                <a:spcPct val="100000"/>
+              </a:lnSpc>
+              <a:spcAft>
+                <a:spcPts val="0"/>
+              </a:spcAft>
+              <a:buClrTx/>
+              <a:buSzTx/>
+              <a:buNone/>
+            </a:pPr>
+            <a:r>
+              <a:rPr lang="en-US" smtClean="0"/>
+              <a:t>LAKUKAN CONFIGURASI GIT</a:t>
+            </a:r>
+          </a:p>
+          <a:p>
+            <a:pPr lvl="0">
+              <a:lnSpc>
+                <a:spcPct val="100000"/>
+              </a:lnSpc>
+              <a:spcAft>
+                <a:spcPts val="0"/>
+              </a:spcAft>
+              <a:buClrTx/>
+              <a:buSzTx/>
+              <a:buNone/>
+            </a:pPr>
+            <a:endParaRPr lang="en-US" dirty="0" smtClean="0"/>
+          </a:p>
+          <a:p>
+            <a:pPr lvl="0">
+              <a:lnSpc>
+                <a:spcPct val="100000"/>
+              </a:lnSpc>
+              <a:spcAft>
+                <a:spcPts val="0"/>
+              </a:spcAft>
+              <a:buClrTx/>
+              <a:buSzTx/>
+              <a:buNone/>
+            </a:pPr>
+            <a:r>
+              <a:rPr lang="en-US" dirty="0" smtClean="0"/>
+              <a:t>$ </a:t>
+            </a:r>
+            <a:r>
+              <a:rPr lang="en-US" dirty="0" err="1"/>
+              <a:t>git</a:t>
+            </a:r>
+            <a:r>
+              <a:rPr lang="en-US" dirty="0"/>
+              <a:t> </a:t>
+            </a:r>
+            <a:r>
+              <a:rPr lang="en-US" dirty="0" err="1"/>
+              <a:t>config</a:t>
+            </a:r>
+            <a:r>
+              <a:rPr lang="en-US" dirty="0"/>
+              <a:t> --global </a:t>
+            </a:r>
+            <a:r>
+              <a:rPr lang="en-US" dirty="0" err="1"/>
+              <a:t>user.name</a:t>
+            </a:r>
+            <a:r>
+              <a:rPr lang="en-US" dirty="0"/>
+              <a:t> "John Doe" </a:t>
+            </a:r>
+            <a:endParaRPr lang="en-US" dirty="0" smtClean="0"/>
+          </a:p>
+          <a:p>
+            <a:pPr lvl="0">
+              <a:lnSpc>
+                <a:spcPct val="100000"/>
+              </a:lnSpc>
+              <a:spcAft>
+                <a:spcPts val="0"/>
+              </a:spcAft>
+              <a:buClrTx/>
+              <a:buSzTx/>
+              <a:buNone/>
+            </a:pPr>
+            <a:endParaRPr lang="en-US" dirty="0"/>
+          </a:p>
+          <a:p>
+            <a:pPr lvl="0">
+              <a:lnSpc>
+                <a:spcPct val="100000"/>
+              </a:lnSpc>
+              <a:spcAft>
+                <a:spcPts val="0"/>
+              </a:spcAft>
+              <a:buClrTx/>
+              <a:buSzTx/>
+              <a:buNone/>
+            </a:pPr>
+            <a:r>
+              <a:rPr lang="en-US" dirty="0" smtClean="0"/>
+              <a:t>$ </a:t>
+            </a:r>
+            <a:r>
+              <a:rPr lang="en-US" dirty="0" err="1"/>
+              <a:t>git</a:t>
+            </a:r>
+            <a:r>
+              <a:rPr lang="en-US" dirty="0"/>
+              <a:t> </a:t>
+            </a:r>
+            <a:r>
+              <a:rPr lang="en-US" dirty="0" err="1"/>
+              <a:t>config</a:t>
+            </a:r>
+            <a:r>
+              <a:rPr lang="en-US" dirty="0"/>
+              <a:t> --global </a:t>
+            </a:r>
+            <a:r>
+              <a:rPr lang="en-US" dirty="0" err="1"/>
+              <a:t>user.email</a:t>
+            </a:r>
+            <a:r>
+              <a:rPr lang="en-US" dirty="0"/>
+              <a:t> </a:t>
+            </a:r>
+            <a:r>
+              <a:rPr lang="en-US" dirty="0" err="1"/>
+              <a:t>johndoe@example.com</a:t>
+            </a:r>
+            <a:endParaRPr lang="en-US" dirty="0"/>
+          </a:p>
+        </p:txBody>
+      </p:sp>
+    </p:spTree>
+    <p:extLst>
+      <p:ext uri="{BB962C8B-B14F-4D97-AF65-F5344CB8AC3E}">
+        <p14:creationId xmlns:p14="http://schemas.microsoft.com/office/powerpoint/2010/main" val="111527869"/>
+      </p:ext>
+    </p:extLst>
+  </p:cSld>
+  <p:clrMapOvr>
+    <a:masterClrMapping/>
+  </p:clrMapOvr>
+</p:sld>
+</file>
+
+<file path=ppt/slides/slide13.xml><?xml version="1.0" encoding="utf-8"?>
+<p:sld xmlns:a="http://schemas.openxmlformats.org/drawingml/2006/main" xmlns:r="http://schemas.openxmlformats.org/officeDocument/2006/relationships" xmlns:p="http://schemas.openxmlformats.org/presentationml/2006/main">
+  <p:cSld>
+    <p:spTree>
+      <p:nvGrpSpPr>
+        <p:cNvPr id="1" name=""/>
+        <p:cNvGrpSpPr/>
+        <p:nvPr/>
+      </p:nvGrpSpPr>
+      <p:grpSpPr>
+        <a:xfrm>
+          <a:off x="0" y="0"/>
+          <a:ext cx="0" cy="0"/>
+          <a:chOff x="0" y="0"/>
+          <a:chExt cx="0" cy="0"/>
+        </a:xfrm>
+      </p:grpSpPr>
+      <p:sp>
+        <p:nvSpPr>
+          <p:cNvPr id="2" name="Title 1"/>
+          <p:cNvSpPr>
+            <a:spLocks noGrp="1"/>
+          </p:cNvSpPr>
+          <p:nvPr>
+            <p:ph type="title"/>
+          </p:nvPr>
+        </p:nvSpPr>
         <p:spPr>
           <a:xfrm>
             <a:off x="311700" y="134129"/>
@@ -6537,7 +6740,7 @@
 </p:sld>
 </file>
 
-<file path=ppt/slides/slide13.xml><?xml version="1.0" encoding="utf-8"?>
+<file path=ppt/slides/slide14.xml><?xml version="1.0" encoding="utf-8"?>
 <p:sld xmlns:a="http://schemas.openxmlformats.org/drawingml/2006/main" xmlns:r="http://schemas.openxmlformats.org/officeDocument/2006/relationships" xmlns:p="http://schemas.openxmlformats.org/presentationml/2006/main">
   <p:cSld>
     <p:spTree>
@@ -6969,7 +7172,7 @@
 </p:sld>
 </file>
 
-<file path=ppt/slides/slide14.xml><?xml version="1.0" encoding="utf-8"?>
+<file path=ppt/slides/slide15.xml><?xml version="1.0" encoding="utf-8"?>
 <p:sld xmlns:a="http://schemas.openxmlformats.org/drawingml/2006/main" xmlns:r="http://schemas.openxmlformats.org/officeDocument/2006/relationships" xmlns:p="http://schemas.openxmlformats.org/presentationml/2006/main">
   <p:cSld>
     <p:spTree>
@@ -7470,7 +7673,7 @@
 </p:sld>
 </file>
 
-<file path=ppt/slides/slide15.xml><?xml version="1.0" encoding="utf-8"?>
+<file path=ppt/slides/slide16.xml><?xml version="1.0" encoding="utf-8"?>
 <p:sld xmlns:a="http://schemas.openxmlformats.org/drawingml/2006/main" xmlns:r="http://schemas.openxmlformats.org/officeDocument/2006/relationships" xmlns:p="http://schemas.openxmlformats.org/presentationml/2006/main">
   <p:cSld>
     <p:spTree>
@@ -7544,7 +7747,7 @@
 </p:sld>
 </file>
 
-<file path=ppt/slides/slide16.xml><?xml version="1.0" encoding="utf-8"?>
+<file path=ppt/slides/slide17.xml><?xml version="1.0" encoding="utf-8"?>
 <p:sld xmlns:a="http://schemas.openxmlformats.org/drawingml/2006/main" xmlns:r="http://schemas.openxmlformats.org/officeDocument/2006/relationships" xmlns:p="http://schemas.openxmlformats.org/presentationml/2006/main">
   <p:cSld>
     <p:spTree>
@@ -8634,995 +8837,6 @@
     <p:extLst>
       <p:ext uri="{BB962C8B-B14F-4D97-AF65-F5344CB8AC3E}">
         <p14:creationId xmlns:p14="http://schemas.microsoft.com/office/powerpoint/2010/main" val="1554515382"/>
-      </p:ext>
-    </p:extLst>
-  </p:cSld>
-  <p:clrMapOvr>
-    <a:masterClrMapping/>
-  </p:clrMapOvr>
-  <p:timing>
-    <p:tnLst>
-      <p:par>
-        <p:cTn id="1" dur="indefinite" restart="never" nodeType="tmRoot"/>
-      </p:par>
-    </p:tnLst>
-  </p:timing>
-</p:sld>
-</file>
-
-<file path=ppt/slides/slide17.xml><?xml version="1.0" encoding="utf-8"?>
-<p:sld xmlns:a="http://schemas.openxmlformats.org/drawingml/2006/main" xmlns:r="http://schemas.openxmlformats.org/officeDocument/2006/relationships" xmlns:p="http://schemas.openxmlformats.org/presentationml/2006/main">
-  <p:cSld>
-    <p:spTree>
-      <p:nvGrpSpPr>
-        <p:cNvPr id="1" name=""/>
-        <p:cNvGrpSpPr/>
-        <p:nvPr/>
-      </p:nvGrpSpPr>
-      <p:grpSpPr>
-        <a:xfrm>
-          <a:off x="0" y="0"/>
-          <a:ext cx="0" cy="0"/>
-          <a:chOff x="0" y="0"/>
-          <a:chExt cx="0" cy="0"/>
-        </a:xfrm>
-      </p:grpSpPr>
-      <p:sp>
-        <p:nvSpPr>
-          <p:cNvPr id="2" name="Title 1"/>
-          <p:cNvSpPr>
-            <a:spLocks noGrp="1"/>
-          </p:cNvSpPr>
-          <p:nvPr>
-            <p:ph type="title"/>
-          </p:nvPr>
-        </p:nvSpPr>
-        <p:spPr>
-          <a:xfrm>
-            <a:off x="311700" y="88409"/>
-            <a:ext cx="8520600" cy="572700"/>
-          </a:xfrm>
-          <a:solidFill>
-            <a:schemeClr val="accent5"/>
-          </a:solidFill>
-        </p:spPr>
-        <p:txBody>
-          <a:bodyPr/>
-          <a:lstStyle/>
-          <a:p>
-            <a:pPr lvl="0"/>
-            <a:r>
-              <a:rPr lang="en-US" dirty="0" err="1">
-                <a:solidFill>
-                  <a:schemeClr val="bg1"/>
-                </a:solidFill>
-              </a:rPr>
-              <a:t>Bekerja</a:t>
-            </a:r>
-            <a:r>
-              <a:rPr lang="en-US" dirty="0">
-                <a:solidFill>
-                  <a:schemeClr val="bg1"/>
-                </a:solidFill>
-              </a:rPr>
-              <a:t> </a:t>
-            </a:r>
-            <a:r>
-              <a:rPr lang="en-US" dirty="0" err="1">
-                <a:solidFill>
-                  <a:schemeClr val="bg1"/>
-                </a:solidFill>
-              </a:rPr>
-              <a:t>dengan</a:t>
-            </a:r>
-            <a:r>
-              <a:rPr lang="en-US" dirty="0">
-                <a:solidFill>
-                  <a:schemeClr val="bg1"/>
-                </a:solidFill>
-              </a:rPr>
-              <a:t> </a:t>
-            </a:r>
-            <a:r>
-              <a:rPr lang="en-US" dirty="0" err="1" smtClean="0">
-                <a:solidFill>
-                  <a:schemeClr val="bg1"/>
-                </a:solidFill>
-              </a:rPr>
-              <a:t>Github</a:t>
-            </a:r>
-            <a:r>
-              <a:rPr lang="en-US" dirty="0" smtClean="0">
-                <a:solidFill>
-                  <a:schemeClr val="bg1"/>
-                </a:solidFill>
-              </a:rPr>
-              <a:t> Repository</a:t>
-            </a:r>
-            <a:r>
-              <a:rPr lang="en-US" dirty="0">
-                <a:solidFill>
-                  <a:schemeClr val="bg1"/>
-                </a:solidFill>
-              </a:rPr>
-              <a:t/>
-            </a:r>
-            <a:br>
-              <a:rPr lang="en-US" dirty="0">
-                <a:solidFill>
-                  <a:schemeClr val="bg1"/>
-                </a:solidFill>
-              </a:rPr>
-            </a:br>
-            <a:endParaRPr lang="en-US" dirty="0">
-              <a:solidFill>
-                <a:schemeClr val="bg1"/>
-              </a:solidFill>
-            </a:endParaRPr>
-          </a:p>
-        </p:txBody>
-      </p:sp>
-      <p:sp>
-        <p:nvSpPr>
-          <p:cNvPr id="3" name="Text Placeholder 2"/>
-          <p:cNvSpPr>
-            <a:spLocks noGrp="1"/>
-          </p:cNvSpPr>
-          <p:nvPr>
-            <p:ph type="body" idx="1"/>
-          </p:nvPr>
-        </p:nvSpPr>
-        <p:spPr>
-          <a:xfrm>
-            <a:off x="311700" y="702312"/>
-            <a:ext cx="8520600" cy="4290311"/>
-          </a:xfrm>
-        </p:spPr>
-        <p:txBody>
-          <a:bodyPr/>
-          <a:lstStyle/>
-          <a:p>
-            <a:pPr marL="285750" marR="0" lvl="0" indent="-285750" defTabSz="914400" eaLnBrk="1" fontAlgn="auto" latinLnBrk="0" hangingPunct="1">
-              <a:lnSpc>
-                <a:spcPct val="100000"/>
-              </a:lnSpc>
-              <a:spcBef>
-                <a:spcPts val="0"/>
-              </a:spcBef>
-              <a:spcAft>
-                <a:spcPts val="0"/>
-              </a:spcAft>
-              <a:buClrTx/>
-              <a:buSzTx/>
-              <a:buFont typeface="Wingdings" charset="2"/>
-              <a:buChar char="Ø"/>
-              <a:tabLst/>
-              <a:defRPr/>
-            </a:pPr>
-            <a:r>
-              <a:rPr lang="en-US" dirty="0" smtClean="0"/>
-              <a:t>Login </a:t>
-            </a:r>
-            <a:r>
-              <a:rPr lang="en-US" dirty="0" err="1" smtClean="0">
-                <a:solidFill>
-                  <a:srgbClr val="FF0000"/>
-                </a:solidFill>
-              </a:rPr>
-              <a:t>Github</a:t>
-            </a:r>
-            <a:r>
-              <a:rPr lang="en-US" dirty="0" smtClean="0"/>
-              <a:t>.</a:t>
-            </a:r>
-          </a:p>
-          <a:p>
-            <a:pPr marL="285750" marR="0" lvl="0" indent="-285750" defTabSz="914400" eaLnBrk="1" fontAlgn="auto" latinLnBrk="0" hangingPunct="1">
-              <a:lnSpc>
-                <a:spcPct val="100000"/>
-              </a:lnSpc>
-              <a:spcBef>
-                <a:spcPts val="0"/>
-              </a:spcBef>
-              <a:spcAft>
-                <a:spcPts val="0"/>
-              </a:spcAft>
-              <a:buClrTx/>
-              <a:buSzTx/>
-              <a:buFont typeface="Wingdings" charset="2"/>
-              <a:buChar char="Ø"/>
-              <a:tabLst/>
-              <a:defRPr/>
-            </a:pPr>
-            <a:r>
-              <a:rPr lang="en-US" dirty="0" smtClean="0"/>
-              <a:t>Create </a:t>
-            </a:r>
-            <a:r>
-              <a:rPr lang="en-US" dirty="0" smtClean="0">
-                <a:solidFill>
-                  <a:srgbClr val="FF0000"/>
-                </a:solidFill>
-              </a:rPr>
-              <a:t>New</a:t>
-            </a:r>
-            <a:r>
-              <a:rPr lang="en-US" dirty="0" smtClean="0"/>
-              <a:t> Repository.</a:t>
-            </a:r>
-          </a:p>
-          <a:p>
-            <a:pPr marL="285750" marR="0" lvl="0" indent="-285750" defTabSz="914400" eaLnBrk="1" fontAlgn="auto" latinLnBrk="0" hangingPunct="1">
-              <a:lnSpc>
-                <a:spcPct val="100000"/>
-              </a:lnSpc>
-              <a:spcBef>
-                <a:spcPts val="0"/>
-              </a:spcBef>
-              <a:spcAft>
-                <a:spcPts val="0"/>
-              </a:spcAft>
-              <a:buClrTx/>
-              <a:buSzTx/>
-              <a:buFont typeface="Wingdings" charset="2"/>
-              <a:buChar char="Ø"/>
-              <a:tabLst/>
-              <a:defRPr/>
-            </a:pPr>
-            <a:r>
-              <a:rPr lang="en-US" dirty="0" err="1" smtClean="0"/>
-              <a:t>Beri</a:t>
-            </a:r>
-            <a:r>
-              <a:rPr lang="en-US" dirty="0" smtClean="0"/>
-              <a:t> </a:t>
-            </a:r>
-            <a:r>
-              <a:rPr lang="en-US" dirty="0" smtClean="0">
-                <a:solidFill>
-                  <a:srgbClr val="FF0000"/>
-                </a:solidFill>
-              </a:rPr>
-              <a:t>Nama</a:t>
-            </a:r>
-            <a:r>
-              <a:rPr lang="en-US" dirty="0" smtClean="0"/>
-              <a:t>. </a:t>
-            </a:r>
-          </a:p>
-          <a:p>
-            <a:pPr marL="285750" marR="0" lvl="0" indent="-285750" defTabSz="914400" eaLnBrk="1" fontAlgn="auto" latinLnBrk="0" hangingPunct="1">
-              <a:lnSpc>
-                <a:spcPct val="100000"/>
-              </a:lnSpc>
-              <a:spcBef>
-                <a:spcPts val="0"/>
-              </a:spcBef>
-              <a:spcAft>
-                <a:spcPts val="0"/>
-              </a:spcAft>
-              <a:buClrTx/>
-              <a:buSzTx/>
-              <a:buFont typeface="Wingdings" charset="2"/>
-              <a:buChar char="Ø"/>
-              <a:tabLst/>
-              <a:defRPr/>
-            </a:pPr>
-            <a:r>
-              <a:rPr lang="en-US" dirty="0" err="1" smtClean="0"/>
-              <a:t>Pilih</a:t>
-            </a:r>
-            <a:r>
-              <a:rPr lang="en-US" dirty="0" smtClean="0"/>
-              <a:t> </a:t>
-            </a:r>
-            <a:r>
-              <a:rPr lang="en-US" dirty="0" smtClean="0">
-                <a:solidFill>
-                  <a:srgbClr val="FF0000"/>
-                </a:solidFill>
-              </a:rPr>
-              <a:t>Public Repository</a:t>
-            </a:r>
-            <a:r>
-              <a:rPr lang="en-US" dirty="0" smtClean="0"/>
-              <a:t>.</a:t>
-            </a:r>
-          </a:p>
-          <a:p>
-            <a:pPr marL="285750" marR="0" lvl="0" indent="-285750" defTabSz="914400" eaLnBrk="1" fontAlgn="auto" latinLnBrk="0" hangingPunct="1">
-              <a:lnSpc>
-                <a:spcPct val="100000"/>
-              </a:lnSpc>
-              <a:spcBef>
-                <a:spcPts val="0"/>
-              </a:spcBef>
-              <a:spcAft>
-                <a:spcPts val="0"/>
-              </a:spcAft>
-              <a:buClrTx/>
-              <a:buSzTx/>
-              <a:buFont typeface="Wingdings" charset="2"/>
-              <a:buChar char="Ø"/>
-              <a:tabLst/>
-              <a:defRPr/>
-            </a:pPr>
-            <a:r>
-              <a:rPr lang="en-US" dirty="0" smtClean="0"/>
-              <a:t>Initial Readme file -&gt; </a:t>
-            </a:r>
-            <a:r>
-              <a:rPr lang="en-US" dirty="0" err="1" smtClean="0">
-                <a:solidFill>
-                  <a:srgbClr val="FF0000"/>
-                </a:solidFill>
-              </a:rPr>
-              <a:t>Biarkan</a:t>
-            </a:r>
-            <a:r>
-              <a:rPr lang="en-US" dirty="0" smtClean="0">
-                <a:solidFill>
-                  <a:srgbClr val="FF0000"/>
-                </a:solidFill>
-              </a:rPr>
-              <a:t> </a:t>
-            </a:r>
-            <a:r>
-              <a:rPr lang="en-US" dirty="0" err="1" smtClean="0">
-                <a:solidFill>
-                  <a:srgbClr val="FF0000"/>
-                </a:solidFill>
-              </a:rPr>
-              <a:t>kosong</a:t>
-            </a:r>
-            <a:r>
-              <a:rPr lang="en-US" dirty="0" smtClean="0"/>
-              <a:t>. </a:t>
-            </a:r>
-            <a:endParaRPr lang="en-US" dirty="0" smtClean="0"/>
-          </a:p>
-          <a:p>
-            <a:pPr marL="285750" marR="0" lvl="0" indent="-285750" defTabSz="914400" eaLnBrk="1" fontAlgn="auto" latinLnBrk="0" hangingPunct="1">
-              <a:lnSpc>
-                <a:spcPct val="100000"/>
-              </a:lnSpc>
-              <a:spcBef>
-                <a:spcPts val="0"/>
-              </a:spcBef>
-              <a:spcAft>
-                <a:spcPts val="0"/>
-              </a:spcAft>
-              <a:buClrTx/>
-              <a:buSzTx/>
-              <a:buFont typeface="Wingdings" charset="2"/>
-              <a:buChar char="Ø"/>
-              <a:tabLst/>
-              <a:defRPr/>
-            </a:pPr>
-            <a:r>
-              <a:rPr lang="en-US" dirty="0" err="1" smtClean="0"/>
-              <a:t>Git</a:t>
-            </a:r>
-            <a:r>
-              <a:rPr lang="en-US" dirty="0" smtClean="0"/>
-              <a:t> Ignore : </a:t>
-            </a:r>
-            <a:r>
-              <a:rPr lang="en-US" dirty="0" smtClean="0"/>
-              <a:t>-&gt; </a:t>
-            </a:r>
-            <a:r>
-              <a:rPr lang="en-US" dirty="0" err="1" smtClean="0">
-                <a:solidFill>
-                  <a:srgbClr val="FF0000"/>
-                </a:solidFill>
-              </a:rPr>
-              <a:t>Biarkan</a:t>
-            </a:r>
-            <a:r>
-              <a:rPr lang="en-US" dirty="0" smtClean="0">
-                <a:solidFill>
-                  <a:srgbClr val="FF0000"/>
-                </a:solidFill>
-              </a:rPr>
-              <a:t> </a:t>
-            </a:r>
-            <a:r>
-              <a:rPr lang="en-US" dirty="0" err="1" smtClean="0">
-                <a:solidFill>
-                  <a:srgbClr val="FF0000"/>
-                </a:solidFill>
-              </a:rPr>
-              <a:t>kosong</a:t>
-            </a:r>
-            <a:r>
-              <a:rPr lang="en-US" dirty="0" smtClean="0"/>
-              <a:t>, </a:t>
-            </a:r>
-            <a:r>
-              <a:rPr lang="en-US" dirty="0" err="1" smtClean="0"/>
-              <a:t>Untuk</a:t>
-            </a:r>
-            <a:r>
-              <a:rPr lang="en-US" dirty="0" smtClean="0"/>
-              <a:t> </a:t>
-            </a:r>
-            <a:r>
-              <a:rPr lang="en-US" dirty="0" err="1" smtClean="0"/>
-              <a:t>tidak</a:t>
-            </a:r>
-            <a:r>
-              <a:rPr lang="en-US" dirty="0" smtClean="0"/>
-              <a:t> </a:t>
-            </a:r>
-            <a:r>
-              <a:rPr lang="en-US" dirty="0" err="1" smtClean="0"/>
-              <a:t>menyimpan</a:t>
-            </a:r>
-            <a:r>
-              <a:rPr lang="en-US" dirty="0" smtClean="0"/>
-              <a:t> file yang </a:t>
-            </a:r>
-            <a:r>
-              <a:rPr lang="en-US" dirty="0" err="1" smtClean="0"/>
-              <a:t>kita</a:t>
-            </a:r>
-            <a:r>
-              <a:rPr lang="en-US" dirty="0" smtClean="0"/>
-              <a:t> </a:t>
-            </a:r>
-            <a:r>
-              <a:rPr lang="en-US" dirty="0" err="1" smtClean="0"/>
-              <a:t>pilih</a:t>
-            </a:r>
-            <a:r>
-              <a:rPr lang="en-US" dirty="0" smtClean="0"/>
-              <a:t> </a:t>
-            </a:r>
-            <a:r>
-              <a:rPr lang="en-US" dirty="0" err="1" smtClean="0"/>
-              <a:t>dengan</a:t>
-            </a:r>
-            <a:r>
-              <a:rPr lang="en-US" dirty="0" smtClean="0"/>
-              <a:t> </a:t>
-            </a:r>
-            <a:r>
-              <a:rPr lang="en-US" dirty="0" err="1" smtClean="0"/>
-              <a:t>alasan</a:t>
-            </a:r>
-            <a:r>
-              <a:rPr lang="en-US" dirty="0" smtClean="0"/>
-              <a:t> </a:t>
-            </a:r>
-            <a:r>
-              <a:rPr lang="en-US" dirty="0" err="1" smtClean="0"/>
-              <a:t>keamanan</a:t>
-            </a:r>
-            <a:r>
-              <a:rPr lang="en-US" dirty="0" smtClean="0"/>
-              <a:t>, </a:t>
-            </a:r>
-            <a:r>
-              <a:rPr lang="en-US" dirty="0" err="1" smtClean="0"/>
-              <a:t>misalnya</a:t>
-            </a:r>
-            <a:r>
-              <a:rPr lang="en-US" dirty="0" smtClean="0"/>
-              <a:t> password, login info, database </a:t>
-            </a:r>
-            <a:r>
-              <a:rPr lang="en-US" dirty="0" err="1" smtClean="0"/>
-              <a:t>koneksi</a:t>
-            </a:r>
-            <a:r>
-              <a:rPr lang="en-US" dirty="0" smtClean="0"/>
-              <a:t> </a:t>
-            </a:r>
-            <a:r>
-              <a:rPr lang="en-US" dirty="0" err="1" smtClean="0"/>
-              <a:t>dsb</a:t>
-            </a:r>
-            <a:r>
-              <a:rPr lang="en-US" dirty="0" smtClean="0"/>
-              <a:t>.</a:t>
-            </a:r>
-          </a:p>
-          <a:p>
-            <a:pPr marL="285750" marR="0" lvl="0" indent="-285750" defTabSz="914400" eaLnBrk="1" fontAlgn="auto" latinLnBrk="0" hangingPunct="1">
-              <a:lnSpc>
-                <a:spcPct val="100000"/>
-              </a:lnSpc>
-              <a:spcBef>
-                <a:spcPts val="0"/>
-              </a:spcBef>
-              <a:spcAft>
-                <a:spcPts val="0"/>
-              </a:spcAft>
-              <a:buClrTx/>
-              <a:buSzTx/>
-              <a:buFont typeface="Wingdings" charset="2"/>
-              <a:buChar char="Ø"/>
-              <a:tabLst/>
-              <a:defRPr/>
-            </a:pPr>
-            <a:r>
-              <a:rPr lang="en-US" dirty="0" err="1" smtClean="0"/>
-              <a:t>Mem</a:t>
-            </a:r>
-            <a:r>
-              <a:rPr lang="en-US" dirty="0" err="1" smtClean="0">
-                <a:solidFill>
-                  <a:srgbClr val="FF0000"/>
-                </a:solidFill>
-              </a:rPr>
-              <a:t>buat</a:t>
-            </a:r>
-            <a:r>
-              <a:rPr lang="en-US" dirty="0" smtClean="0">
-                <a:solidFill>
-                  <a:srgbClr val="FF0000"/>
-                </a:solidFill>
-              </a:rPr>
-              <a:t> local project</a:t>
-            </a:r>
-            <a:r>
-              <a:rPr lang="en-US" dirty="0" smtClean="0"/>
-              <a:t>. </a:t>
-            </a:r>
-          </a:p>
-          <a:p>
-            <a:pPr marL="285750" marR="0" lvl="0" indent="-285750" defTabSz="914400" eaLnBrk="1" fontAlgn="auto" latinLnBrk="0" hangingPunct="1">
-              <a:lnSpc>
-                <a:spcPct val="100000"/>
-              </a:lnSpc>
-              <a:spcBef>
-                <a:spcPts val="0"/>
-              </a:spcBef>
-              <a:spcAft>
-                <a:spcPts val="0"/>
-              </a:spcAft>
-              <a:buClrTx/>
-              <a:buSzTx/>
-              <a:buFont typeface="Wingdings" charset="2"/>
-              <a:buChar char="Ø"/>
-              <a:tabLst/>
-              <a:defRPr/>
-            </a:pPr>
-            <a:r>
-              <a:rPr lang="en-US" dirty="0" err="1" smtClean="0"/>
-              <a:t>Buat</a:t>
-            </a:r>
-            <a:r>
-              <a:rPr lang="en-US" dirty="0" smtClean="0"/>
-              <a:t> </a:t>
-            </a:r>
-            <a:r>
-              <a:rPr lang="en-US" dirty="0" err="1" smtClean="0"/>
-              <a:t>sebuah</a:t>
-            </a:r>
-            <a:r>
-              <a:rPr lang="en-US" dirty="0" smtClean="0"/>
-              <a:t> </a:t>
-            </a:r>
-            <a:r>
-              <a:rPr lang="en-US" dirty="0" smtClean="0">
-                <a:solidFill>
-                  <a:srgbClr val="FF0000"/>
-                </a:solidFill>
-              </a:rPr>
-              <a:t>file</a:t>
-            </a:r>
-            <a:r>
-              <a:rPr lang="en-US" dirty="0" smtClean="0"/>
-              <a:t> </a:t>
-            </a:r>
-            <a:r>
-              <a:rPr lang="en-US" dirty="0" err="1" smtClean="0"/>
-              <a:t>dan</a:t>
-            </a:r>
-            <a:r>
-              <a:rPr lang="en-US" dirty="0" smtClean="0"/>
-              <a:t> </a:t>
-            </a:r>
-            <a:r>
-              <a:rPr lang="en-US" dirty="0" err="1" smtClean="0"/>
-              <a:t>lakukan</a:t>
-            </a:r>
-            <a:r>
-              <a:rPr lang="en-US" dirty="0" smtClean="0"/>
-              <a:t> </a:t>
-            </a:r>
-            <a:r>
-              <a:rPr lang="en-US" dirty="0" err="1" smtClean="0"/>
-              <a:t>perubahan</a:t>
-            </a:r>
-            <a:r>
-              <a:rPr lang="en-US" dirty="0" smtClean="0"/>
-              <a:t> (update).</a:t>
-            </a:r>
-            <a:endParaRPr lang="en-US" dirty="0" smtClean="0"/>
-          </a:p>
-          <a:p>
-            <a:pPr marL="285750" marR="0" lvl="0" indent="-285750" defTabSz="914400" eaLnBrk="1" fontAlgn="auto" latinLnBrk="0" hangingPunct="1">
-              <a:lnSpc>
-                <a:spcPct val="100000"/>
-              </a:lnSpc>
-              <a:spcBef>
-                <a:spcPts val="0"/>
-              </a:spcBef>
-              <a:spcAft>
-                <a:spcPts val="0"/>
-              </a:spcAft>
-              <a:buClrTx/>
-              <a:buSzTx/>
-              <a:buFont typeface="Wingdings" charset="2"/>
-              <a:buChar char="Ø"/>
-              <a:tabLst/>
-              <a:defRPr/>
-            </a:pPr>
-            <a:r>
-              <a:rPr lang="en-US" dirty="0" err="1" smtClean="0">
-                <a:solidFill>
-                  <a:srgbClr val="FF0000"/>
-                </a:solidFill>
-              </a:rPr>
-              <a:t>Comandline</a:t>
-            </a:r>
-            <a:r>
-              <a:rPr lang="en-US" dirty="0" smtClean="0"/>
-              <a:t> -&gt; </a:t>
-            </a:r>
-            <a:r>
-              <a:rPr lang="en-US" dirty="0" err="1" smtClean="0"/>
-              <a:t>git</a:t>
-            </a:r>
-            <a:r>
-              <a:rPr lang="en-US" dirty="0" smtClean="0"/>
-              <a:t> </a:t>
-            </a:r>
-            <a:r>
-              <a:rPr lang="en-US" dirty="0" err="1" smtClean="0"/>
-              <a:t>init</a:t>
-            </a:r>
-            <a:r>
-              <a:rPr lang="en-US" dirty="0" smtClean="0"/>
-              <a:t> &gt; </a:t>
-            </a:r>
-            <a:r>
-              <a:rPr lang="en-US" dirty="0" err="1" smtClean="0"/>
-              <a:t>git</a:t>
-            </a:r>
-            <a:r>
-              <a:rPr lang="en-US" dirty="0" smtClean="0"/>
-              <a:t> status &gt; </a:t>
-            </a:r>
-            <a:r>
-              <a:rPr lang="en-US" dirty="0" err="1" smtClean="0"/>
-              <a:t>git</a:t>
-            </a:r>
-            <a:r>
-              <a:rPr lang="en-US" dirty="0" smtClean="0"/>
-              <a:t> add . &gt; </a:t>
-            </a:r>
-            <a:r>
-              <a:rPr lang="en-US" dirty="0" err="1" smtClean="0"/>
-              <a:t>git</a:t>
-            </a:r>
-            <a:r>
-              <a:rPr lang="en-US" dirty="0" smtClean="0"/>
-              <a:t> commit “Initial commit” &gt; </a:t>
-            </a:r>
-            <a:r>
-              <a:rPr lang="en-US" dirty="0" err="1" smtClean="0"/>
-              <a:t>git</a:t>
-            </a:r>
-            <a:r>
-              <a:rPr lang="en-US" dirty="0" smtClean="0"/>
-              <a:t> log. </a:t>
-            </a:r>
-          </a:p>
-          <a:p>
-            <a:pPr marL="285750" marR="0" lvl="0" indent="-285750" defTabSz="914400" eaLnBrk="1" fontAlgn="auto" latinLnBrk="0" hangingPunct="1">
-              <a:lnSpc>
-                <a:spcPct val="100000"/>
-              </a:lnSpc>
-              <a:spcBef>
-                <a:spcPts val="0"/>
-              </a:spcBef>
-              <a:spcAft>
-                <a:spcPts val="0"/>
-              </a:spcAft>
-              <a:buClrTx/>
-              <a:buSzTx/>
-              <a:buFont typeface="Wingdings" charset="2"/>
-              <a:buChar char="Ø"/>
-              <a:tabLst/>
-              <a:defRPr/>
-            </a:pPr>
-            <a:r>
-              <a:rPr lang="en-US" dirty="0" smtClean="0"/>
-              <a:t>Copy </a:t>
-            </a:r>
-            <a:r>
-              <a:rPr lang="en-US" dirty="0" err="1" smtClean="0"/>
-              <a:t>dan</a:t>
-            </a:r>
-            <a:r>
-              <a:rPr lang="en-US" dirty="0" smtClean="0"/>
-              <a:t> Paste add </a:t>
-            </a:r>
-            <a:r>
-              <a:rPr lang="en-US" dirty="0" smtClean="0">
-                <a:solidFill>
-                  <a:srgbClr val="FF0000"/>
-                </a:solidFill>
-              </a:rPr>
-              <a:t>remote repository</a:t>
-            </a:r>
-            <a:r>
-              <a:rPr lang="en-US" dirty="0" smtClean="0"/>
-              <a:t> link di folder project. </a:t>
-            </a:r>
-          </a:p>
-          <a:p>
-            <a:pPr marL="285750" marR="0" lvl="0" indent="-285750" defTabSz="914400" eaLnBrk="1" fontAlgn="auto" latinLnBrk="0" hangingPunct="1">
-              <a:lnSpc>
-                <a:spcPct val="100000"/>
-              </a:lnSpc>
-              <a:spcBef>
-                <a:spcPts val="0"/>
-              </a:spcBef>
-              <a:spcAft>
-                <a:spcPts val="0"/>
-              </a:spcAft>
-              <a:buClrTx/>
-              <a:buSzTx/>
-              <a:buFont typeface="Wingdings" charset="2"/>
-              <a:buChar char="Ø"/>
-              <a:tabLst/>
-              <a:defRPr/>
-            </a:pPr>
-            <a:r>
-              <a:rPr lang="en-US" dirty="0" err="1" smtClean="0"/>
-              <a:t>Cek</a:t>
-            </a:r>
-            <a:r>
-              <a:rPr lang="en-US" dirty="0" smtClean="0"/>
-              <a:t> </a:t>
-            </a:r>
-            <a:r>
-              <a:rPr lang="en-US" dirty="0" err="1" smtClean="0"/>
-              <a:t>dengan</a:t>
-            </a:r>
-            <a:r>
-              <a:rPr lang="en-US" dirty="0" smtClean="0"/>
-              <a:t> </a:t>
-            </a:r>
-            <a:r>
-              <a:rPr lang="en-US" dirty="0" err="1" smtClean="0">
-                <a:solidFill>
-                  <a:srgbClr val="FF0000"/>
-                </a:solidFill>
-              </a:rPr>
-              <a:t>git</a:t>
-            </a:r>
-            <a:r>
-              <a:rPr lang="en-US" dirty="0" smtClean="0">
-                <a:solidFill>
-                  <a:srgbClr val="FF0000"/>
-                </a:solidFill>
-              </a:rPr>
-              <a:t> </a:t>
-            </a:r>
-            <a:r>
-              <a:rPr lang="en-US" dirty="0" smtClean="0">
-                <a:solidFill>
-                  <a:srgbClr val="FF0000"/>
-                </a:solidFill>
-              </a:rPr>
-              <a:t>remote –v</a:t>
-            </a:r>
-            <a:r>
-              <a:rPr lang="en-US" dirty="0" smtClean="0"/>
-              <a:t>.</a:t>
-            </a:r>
-            <a:endParaRPr lang="en-US" dirty="0" smtClean="0"/>
-          </a:p>
-          <a:p>
-            <a:pPr marL="285750" marR="0" lvl="0" indent="-285750" defTabSz="914400" eaLnBrk="1" fontAlgn="auto" latinLnBrk="0" hangingPunct="1">
-              <a:lnSpc>
-                <a:spcPct val="100000"/>
-              </a:lnSpc>
-              <a:spcBef>
-                <a:spcPts val="0"/>
-              </a:spcBef>
-              <a:spcAft>
-                <a:spcPts val="0"/>
-              </a:spcAft>
-              <a:buClrTx/>
-              <a:buSzTx/>
-              <a:buFont typeface="Wingdings" charset="2"/>
-              <a:buChar char="Ø"/>
-              <a:tabLst/>
-              <a:defRPr/>
-            </a:pPr>
-            <a:r>
-              <a:rPr lang="en-US" dirty="0" err="1">
-                <a:solidFill>
-                  <a:srgbClr val="FF0000"/>
-                </a:solidFill>
-              </a:rPr>
-              <a:t>g</a:t>
-            </a:r>
-            <a:r>
-              <a:rPr lang="en-US" dirty="0" err="1" smtClean="0">
-                <a:solidFill>
-                  <a:srgbClr val="FF0000"/>
-                </a:solidFill>
-              </a:rPr>
-              <a:t>it</a:t>
-            </a:r>
-            <a:r>
-              <a:rPr lang="en-US" dirty="0" smtClean="0">
-                <a:solidFill>
-                  <a:srgbClr val="FF0000"/>
-                </a:solidFill>
-              </a:rPr>
-              <a:t> </a:t>
-            </a:r>
-            <a:r>
-              <a:rPr lang="en-US" dirty="0" smtClean="0">
-                <a:solidFill>
-                  <a:srgbClr val="FF0000"/>
-                </a:solidFill>
-              </a:rPr>
-              <a:t>push –u origin </a:t>
-            </a:r>
-            <a:r>
-              <a:rPr lang="en-US" dirty="0" smtClean="0">
-                <a:solidFill>
-                  <a:srgbClr val="FF0000"/>
-                </a:solidFill>
-              </a:rPr>
-              <a:t>master</a:t>
-            </a:r>
-            <a:r>
-              <a:rPr lang="en-US" dirty="0" smtClean="0"/>
-              <a:t>, </a:t>
-            </a:r>
-            <a:r>
-              <a:rPr lang="en-US" dirty="0" err="1" smtClean="0"/>
-              <a:t>untuk</a:t>
-            </a:r>
-            <a:r>
-              <a:rPr lang="en-US" dirty="0" smtClean="0"/>
-              <a:t> </a:t>
-            </a:r>
-            <a:r>
-              <a:rPr lang="en-US" dirty="0" err="1" smtClean="0"/>
-              <a:t>mengapload</a:t>
-            </a:r>
-            <a:r>
-              <a:rPr lang="en-US" dirty="0" smtClean="0"/>
-              <a:t> file </a:t>
-            </a:r>
-            <a:r>
-              <a:rPr lang="en-US" dirty="0" err="1" smtClean="0"/>
-              <a:t>ke</a:t>
-            </a:r>
-            <a:r>
-              <a:rPr lang="en-US" dirty="0" smtClean="0"/>
-              <a:t> server.</a:t>
-            </a:r>
-            <a:endParaRPr lang="en-US" dirty="0" smtClean="0"/>
-          </a:p>
-          <a:p>
-            <a:pPr marL="0" marR="0" lvl="0" indent="0" defTabSz="914400" eaLnBrk="1" fontAlgn="auto" latinLnBrk="0" hangingPunct="1">
-              <a:lnSpc>
-                <a:spcPct val="100000"/>
-              </a:lnSpc>
-              <a:spcBef>
-                <a:spcPts val="0"/>
-              </a:spcBef>
-              <a:spcAft>
-                <a:spcPts val="0"/>
-              </a:spcAft>
-              <a:buClrTx/>
-              <a:buSzTx/>
-              <a:buFontTx/>
-              <a:buNone/>
-              <a:tabLst/>
-              <a:defRPr/>
-            </a:pPr>
-            <a:endParaRPr lang="en-US" dirty="0" smtClean="0"/>
-          </a:p>
-          <a:p>
-            <a:pPr marL="0" marR="0" lvl="0" indent="0" defTabSz="914400" eaLnBrk="1" fontAlgn="auto" latinLnBrk="0" hangingPunct="1">
-              <a:lnSpc>
-                <a:spcPct val="100000"/>
-              </a:lnSpc>
-              <a:spcBef>
-                <a:spcPts val="0"/>
-              </a:spcBef>
-              <a:spcAft>
-                <a:spcPts val="0"/>
-              </a:spcAft>
-              <a:buClrTx/>
-              <a:buSzTx/>
-              <a:buFontTx/>
-              <a:buNone/>
-              <a:tabLst/>
-              <a:defRPr/>
-            </a:pPr>
-            <a:endParaRPr lang="en-US" dirty="0" smtClean="0"/>
-          </a:p>
-          <a:p>
-            <a:pPr marL="0" marR="0" lvl="0" indent="0" defTabSz="914400" eaLnBrk="1" fontAlgn="auto" latinLnBrk="0" hangingPunct="1">
-              <a:lnSpc>
-                <a:spcPct val="100000"/>
-              </a:lnSpc>
-              <a:spcBef>
-                <a:spcPts val="0"/>
-              </a:spcBef>
-              <a:spcAft>
-                <a:spcPts val="0"/>
-              </a:spcAft>
-              <a:buClrTx/>
-              <a:buSzTx/>
-              <a:buFontTx/>
-              <a:buNone/>
-              <a:tabLst/>
-              <a:defRPr/>
-            </a:pPr>
-            <a:endParaRPr lang="en-US" dirty="0"/>
-          </a:p>
-          <a:p>
-            <a:pPr marL="0" marR="0" lvl="0" indent="0" defTabSz="914400" eaLnBrk="1" fontAlgn="auto" latinLnBrk="0" hangingPunct="1">
-              <a:lnSpc>
-                <a:spcPct val="100000"/>
-              </a:lnSpc>
-              <a:spcBef>
-                <a:spcPts val="0"/>
-              </a:spcBef>
-              <a:spcAft>
-                <a:spcPts val="0"/>
-              </a:spcAft>
-              <a:buClrTx/>
-              <a:buSzTx/>
-              <a:buFontTx/>
-              <a:buNone/>
-              <a:tabLst/>
-              <a:defRPr/>
-            </a:pPr>
-            <a:endParaRPr lang="en-US" dirty="0" smtClean="0"/>
-          </a:p>
-          <a:p>
-            <a:pPr marL="0" marR="0" lvl="0" indent="0" defTabSz="914400" eaLnBrk="1" fontAlgn="auto" latinLnBrk="0" hangingPunct="1">
-              <a:lnSpc>
-                <a:spcPct val="100000"/>
-              </a:lnSpc>
-              <a:spcBef>
-                <a:spcPts val="0"/>
-              </a:spcBef>
-              <a:spcAft>
-                <a:spcPts val="0"/>
-              </a:spcAft>
-              <a:buClrTx/>
-              <a:buSzTx/>
-              <a:buFontTx/>
-              <a:buNone/>
-              <a:tabLst/>
-              <a:defRPr/>
-            </a:pPr>
-            <a:endParaRPr lang="en-US" dirty="0"/>
-          </a:p>
-        </p:txBody>
-      </p:sp>
-    </p:spTree>
-    <p:extLst>
-      <p:ext uri="{BB962C8B-B14F-4D97-AF65-F5344CB8AC3E}">
-        <p14:creationId xmlns:p14="http://schemas.microsoft.com/office/powerpoint/2010/main" val="1256896828"/>
       </p:ext>
     </p:extLst>
   </p:cSld>
@@ -9666,64 +8880,88 @@
             <p:ph type="title"/>
           </p:nvPr>
         </p:nvSpPr>
-        <p:spPr/>
+        <p:spPr>
+          <a:xfrm>
+            <a:off x="311700" y="88409"/>
+            <a:ext cx="8520600" cy="572700"/>
+          </a:xfrm>
+          <a:solidFill>
+            <a:schemeClr val="accent5"/>
+          </a:solidFill>
+        </p:spPr>
         <p:txBody>
           <a:bodyPr/>
           <a:lstStyle/>
           <a:p>
-            <a:r>
-              <a:rPr lang="en-US" dirty="0" err="1" smtClean="0"/>
-              <a:t>Silahkan</a:t>
-            </a:r>
-            <a:r>
-              <a:rPr lang="en-US" dirty="0" smtClean="0"/>
-              <a:t> </a:t>
-            </a:r>
-            <a:r>
-              <a:rPr lang="en-US" dirty="0" err="1" smtClean="0"/>
-              <a:t>anda</a:t>
-            </a:r>
-            <a:r>
-              <a:rPr lang="en-US" dirty="0" smtClean="0"/>
-              <a:t> </a:t>
-            </a:r>
-            <a:r>
-              <a:rPr lang="en-US" dirty="0" err="1" smtClean="0"/>
-              <a:t>pelajar</a:t>
-            </a:r>
-            <a:r>
-              <a:rPr lang="en-US" dirty="0" smtClean="0"/>
-              <a:t> </a:t>
-            </a:r>
-            <a:r>
-              <a:rPr lang="en-US" dirty="0" err="1" smtClean="0"/>
-              <a:t>lebih</a:t>
-            </a:r>
-            <a:r>
-              <a:rPr lang="en-US" dirty="0" smtClean="0"/>
-              <a:t> </a:t>
-            </a:r>
-            <a:r>
-              <a:rPr lang="en-US" dirty="0" err="1" smtClean="0"/>
-              <a:t>lanjut</a:t>
-            </a:r>
-            <a:r>
-              <a:rPr lang="en-US" dirty="0" smtClean="0"/>
-              <a:t> system </a:t>
-            </a:r>
-            <a:r>
-              <a:rPr lang="en-US" dirty="0" err="1" smtClean="0"/>
-              <a:t>Git</a:t>
-            </a:r>
-            <a:r>
-              <a:rPr lang="en-US" dirty="0"/>
-              <a:t> </a:t>
-            </a:r>
-            <a:r>
-              <a:rPr lang="en-US" dirty="0" smtClean="0"/>
-              <a:t>:</a:t>
-            </a:r>
-            <a:endParaRPr lang="en-US" dirty="0"/>
+            <a:pPr lvl="0"/>
+            <a:r>
+              <a:rPr lang="en-US" dirty="0" err="1">
+                <a:solidFill>
+                  <a:schemeClr val="bg1"/>
+                </a:solidFill>
+              </a:rPr>
+              <a:t>Bekerja</a:t>
+            </a:r>
+            <a:r>
+              <a:rPr lang="en-US" dirty="0">
+                <a:solidFill>
+                  <a:schemeClr val="bg1"/>
+                </a:solidFill>
+              </a:rPr>
+              <a:t> </a:t>
+            </a:r>
+            <a:r>
+              <a:rPr lang="en-US" dirty="0" err="1">
+                <a:solidFill>
+                  <a:schemeClr val="bg1"/>
+                </a:solidFill>
+              </a:rPr>
+              <a:t>dengan</a:t>
+            </a:r>
+            <a:r>
+              <a:rPr lang="en-US" dirty="0">
+                <a:solidFill>
+                  <a:schemeClr val="bg1"/>
+                </a:solidFill>
+              </a:rPr>
+              <a:t> </a:t>
+            </a:r>
+            <a:r>
+              <a:rPr lang="en-US" dirty="0" err="1" smtClean="0">
+                <a:solidFill>
+                  <a:schemeClr val="bg1"/>
+                </a:solidFill>
+              </a:rPr>
+              <a:t>Github</a:t>
+            </a:r>
+            <a:r>
+              <a:rPr lang="en-US" dirty="0" smtClean="0">
+                <a:solidFill>
+                  <a:schemeClr val="bg1"/>
+                </a:solidFill>
+              </a:rPr>
+              <a:t> Repository</a:t>
+            </a:r>
+            <a:r>
+              <a:rPr lang="en-US" dirty="0">
+                <a:solidFill>
+                  <a:schemeClr val="bg1"/>
+                </a:solidFill>
+              </a:rPr>
+              <a:t/>
+            </a:r>
+            <a:br>
+              <a:rPr lang="en-US" dirty="0">
+                <a:solidFill>
+                  <a:schemeClr val="bg1"/>
+                </a:solidFill>
+              </a:rPr>
+            </a:br>
+            <a:endParaRPr lang="en-US" dirty="0">
+              <a:solidFill>
+                <a:schemeClr val="bg1"/>
+              </a:solidFill>
+            </a:endParaRPr>
           </a:p>
         </p:txBody>
       </p:sp>
@@ -9737,33 +8975,346 @@
             <p:ph type="body" idx="1"/>
           </p:nvPr>
         </p:nvSpPr>
-        <p:spPr/>
+        <p:spPr>
+          <a:xfrm>
+            <a:off x="311700" y="702312"/>
+            <a:ext cx="8520600" cy="4290311"/>
+          </a:xfrm>
+        </p:spPr>
         <p:txBody>
           <a:bodyPr/>
           <a:lstStyle/>
           <a:p>
-            <a:r>
-              <a:rPr lang="en-US" dirty="0"/>
-              <a:t> </a:t>
-            </a:r>
-            <a:r>
-              <a:rPr lang="en-US" dirty="0" smtClean="0"/>
-              <a:t>How to checkout.</a:t>
-            </a:r>
-          </a:p>
-          <a:p>
-            <a:r>
-              <a:rPr lang="en-US" dirty="0"/>
-              <a:t> </a:t>
-            </a:r>
-            <a:r>
-              <a:rPr lang="en-US" dirty="0" smtClean="0"/>
-              <a:t>How to merge.</a:t>
-            </a:r>
-          </a:p>
-          <a:p>
-            <a:r>
-              <a:rPr lang="en-US" dirty="0"/>
+            <a:pPr marL="285750" marR="0" lvl="0" indent="-285750" defTabSz="914400" eaLnBrk="1" fontAlgn="auto" latinLnBrk="0" hangingPunct="1">
+              <a:lnSpc>
+                <a:spcPct val="100000"/>
+              </a:lnSpc>
+              <a:spcBef>
+                <a:spcPts val="0"/>
+              </a:spcBef>
+              <a:spcAft>
+                <a:spcPts val="0"/>
+              </a:spcAft>
+              <a:buClrTx/>
+              <a:buSzTx/>
+              <a:buFont typeface="Wingdings" charset="2"/>
+              <a:buChar char="Ø"/>
+              <a:tabLst/>
+              <a:defRPr/>
+            </a:pPr>
+            <a:r>
+              <a:rPr lang="en-US" dirty="0" smtClean="0"/>
+              <a:t>Login </a:t>
+            </a:r>
+            <a:r>
+              <a:rPr lang="en-US" dirty="0" err="1" smtClean="0">
+                <a:solidFill>
+                  <a:srgbClr val="FF0000"/>
+                </a:solidFill>
+              </a:rPr>
+              <a:t>Github</a:t>
+            </a:r>
+            <a:r>
+              <a:rPr lang="en-US" dirty="0" smtClean="0"/>
+              <a:t>.</a:t>
+            </a:r>
+          </a:p>
+          <a:p>
+            <a:pPr marL="285750" marR="0" lvl="0" indent="-285750" defTabSz="914400" eaLnBrk="1" fontAlgn="auto" latinLnBrk="0" hangingPunct="1">
+              <a:lnSpc>
+                <a:spcPct val="100000"/>
+              </a:lnSpc>
+              <a:spcBef>
+                <a:spcPts val="0"/>
+              </a:spcBef>
+              <a:spcAft>
+                <a:spcPts val="0"/>
+              </a:spcAft>
+              <a:buClrTx/>
+              <a:buSzTx/>
+              <a:buFont typeface="Wingdings" charset="2"/>
+              <a:buChar char="Ø"/>
+              <a:tabLst/>
+              <a:defRPr/>
+            </a:pPr>
+            <a:r>
+              <a:rPr lang="en-US" dirty="0" smtClean="0"/>
+              <a:t>Create </a:t>
+            </a:r>
+            <a:r>
+              <a:rPr lang="en-US" dirty="0" smtClean="0">
+                <a:solidFill>
+                  <a:srgbClr val="FF0000"/>
+                </a:solidFill>
+              </a:rPr>
+              <a:t>New</a:t>
+            </a:r>
+            <a:r>
+              <a:rPr lang="en-US" dirty="0" smtClean="0"/>
+              <a:t> Repository.</a:t>
+            </a:r>
+          </a:p>
+          <a:p>
+            <a:pPr marL="285750" marR="0" lvl="0" indent="-285750" defTabSz="914400" eaLnBrk="1" fontAlgn="auto" latinLnBrk="0" hangingPunct="1">
+              <a:lnSpc>
+                <a:spcPct val="100000"/>
+              </a:lnSpc>
+              <a:spcBef>
+                <a:spcPts val="0"/>
+              </a:spcBef>
+              <a:spcAft>
+                <a:spcPts val="0"/>
+              </a:spcAft>
+              <a:buClrTx/>
+              <a:buSzTx/>
+              <a:buFont typeface="Wingdings" charset="2"/>
+              <a:buChar char="Ø"/>
+              <a:tabLst/>
+              <a:defRPr/>
+            </a:pPr>
+            <a:r>
+              <a:rPr lang="en-US" dirty="0" err="1" smtClean="0"/>
+              <a:t>Beri</a:t>
+            </a:r>
+            <a:r>
+              <a:rPr lang="en-US" dirty="0" smtClean="0"/>
+              <a:t> </a:t>
+            </a:r>
+            <a:r>
+              <a:rPr lang="en-US" dirty="0" smtClean="0">
+                <a:solidFill>
+                  <a:srgbClr val="FF0000"/>
+                </a:solidFill>
+              </a:rPr>
+              <a:t>Nama</a:t>
+            </a:r>
+            <a:r>
+              <a:rPr lang="en-US" dirty="0" smtClean="0"/>
+              <a:t>. </a:t>
+            </a:r>
+          </a:p>
+          <a:p>
+            <a:pPr marL="285750" marR="0" lvl="0" indent="-285750" defTabSz="914400" eaLnBrk="1" fontAlgn="auto" latinLnBrk="0" hangingPunct="1">
+              <a:lnSpc>
+                <a:spcPct val="100000"/>
+              </a:lnSpc>
+              <a:spcBef>
+                <a:spcPts val="0"/>
+              </a:spcBef>
+              <a:spcAft>
+                <a:spcPts val="0"/>
+              </a:spcAft>
+              <a:buClrTx/>
+              <a:buSzTx/>
+              <a:buFont typeface="Wingdings" charset="2"/>
+              <a:buChar char="Ø"/>
+              <a:tabLst/>
+              <a:defRPr/>
+            </a:pPr>
+            <a:r>
+              <a:rPr lang="en-US" dirty="0" err="1" smtClean="0"/>
+              <a:t>Pilih</a:t>
+            </a:r>
+            <a:r>
+              <a:rPr lang="en-US" dirty="0" smtClean="0"/>
+              <a:t> </a:t>
+            </a:r>
+            <a:r>
+              <a:rPr lang="en-US" dirty="0" smtClean="0">
+                <a:solidFill>
+                  <a:srgbClr val="FF0000"/>
+                </a:solidFill>
+              </a:rPr>
+              <a:t>Public Repository</a:t>
+            </a:r>
+            <a:r>
+              <a:rPr lang="en-US" dirty="0" smtClean="0"/>
+              <a:t>.</a:t>
+            </a:r>
+          </a:p>
+          <a:p>
+            <a:pPr marL="285750" marR="0" lvl="0" indent="-285750" defTabSz="914400" eaLnBrk="1" fontAlgn="auto" latinLnBrk="0" hangingPunct="1">
+              <a:lnSpc>
+                <a:spcPct val="100000"/>
+              </a:lnSpc>
+              <a:spcBef>
+                <a:spcPts val="0"/>
+              </a:spcBef>
+              <a:spcAft>
+                <a:spcPts val="0"/>
+              </a:spcAft>
+              <a:buClrTx/>
+              <a:buSzTx/>
+              <a:buFont typeface="Wingdings" charset="2"/>
+              <a:buChar char="Ø"/>
+              <a:tabLst/>
+              <a:defRPr/>
+            </a:pPr>
+            <a:r>
+              <a:rPr lang="en-US" dirty="0" smtClean="0"/>
+              <a:t>Initial Readme file -&gt; </a:t>
+            </a:r>
+            <a:r>
+              <a:rPr lang="en-US" dirty="0" err="1" smtClean="0">
+                <a:solidFill>
+                  <a:srgbClr val="FF0000"/>
+                </a:solidFill>
+              </a:rPr>
+              <a:t>Biarkan</a:t>
+            </a:r>
+            <a:r>
+              <a:rPr lang="en-US" dirty="0" smtClean="0">
+                <a:solidFill>
+                  <a:srgbClr val="FF0000"/>
+                </a:solidFill>
+              </a:rPr>
+              <a:t> </a:t>
+            </a:r>
+            <a:r>
+              <a:rPr lang="en-US" dirty="0" err="1" smtClean="0">
+                <a:solidFill>
+                  <a:srgbClr val="FF0000"/>
+                </a:solidFill>
+              </a:rPr>
+              <a:t>kosong</a:t>
+            </a:r>
+            <a:r>
+              <a:rPr lang="en-US" dirty="0" smtClean="0"/>
+              <a:t>. </a:t>
+            </a:r>
+          </a:p>
+          <a:p>
+            <a:pPr marL="285750" marR="0" lvl="0" indent="-285750" defTabSz="914400" eaLnBrk="1" fontAlgn="auto" latinLnBrk="0" hangingPunct="1">
+              <a:lnSpc>
+                <a:spcPct val="100000"/>
+              </a:lnSpc>
+              <a:spcBef>
+                <a:spcPts val="0"/>
+              </a:spcBef>
+              <a:spcAft>
+                <a:spcPts val="0"/>
+              </a:spcAft>
+              <a:buClrTx/>
+              <a:buSzTx/>
+              <a:buFont typeface="Wingdings" charset="2"/>
+              <a:buChar char="Ø"/>
+              <a:tabLst/>
+              <a:defRPr/>
+            </a:pPr>
+            <a:r>
+              <a:rPr lang="en-US" dirty="0" err="1" smtClean="0"/>
+              <a:t>Git</a:t>
+            </a:r>
+            <a:r>
+              <a:rPr lang="en-US" dirty="0" smtClean="0"/>
+              <a:t> Ignore : -&gt; </a:t>
+            </a:r>
+            <a:r>
+              <a:rPr lang="en-US" dirty="0" err="1" smtClean="0">
+                <a:solidFill>
+                  <a:srgbClr val="FF0000"/>
+                </a:solidFill>
+              </a:rPr>
+              <a:t>Biarkan</a:t>
+            </a:r>
+            <a:r>
+              <a:rPr lang="en-US" dirty="0" smtClean="0">
+                <a:solidFill>
+                  <a:srgbClr val="FF0000"/>
+                </a:solidFill>
+              </a:rPr>
+              <a:t> </a:t>
+            </a:r>
+            <a:r>
+              <a:rPr lang="en-US" dirty="0" err="1" smtClean="0">
+                <a:solidFill>
+                  <a:srgbClr val="FF0000"/>
+                </a:solidFill>
+              </a:rPr>
+              <a:t>kosong</a:t>
+            </a:r>
+            <a:r>
+              <a:rPr lang="en-US" dirty="0" smtClean="0"/>
+              <a:t>, </a:t>
+            </a:r>
+            <a:r>
+              <a:rPr lang="en-US" dirty="0" err="1" smtClean="0"/>
+              <a:t>Untuk</a:t>
+            </a:r>
+            <a:r>
+              <a:rPr lang="en-US" dirty="0" smtClean="0"/>
+              <a:t> </a:t>
+            </a:r>
+            <a:r>
+              <a:rPr lang="en-US" dirty="0" err="1" smtClean="0"/>
+              <a:t>tidak</a:t>
+            </a:r>
+            <a:r>
+              <a:rPr lang="en-US" dirty="0" smtClean="0"/>
+              <a:t> </a:t>
+            </a:r>
+            <a:r>
+              <a:rPr lang="en-US" dirty="0" err="1" smtClean="0"/>
+              <a:t>menyimpan</a:t>
+            </a:r>
+            <a:r>
+              <a:rPr lang="en-US" dirty="0" smtClean="0"/>
+              <a:t> file yang </a:t>
+            </a:r>
+            <a:r>
+              <a:rPr lang="en-US" dirty="0" err="1" smtClean="0"/>
+              <a:t>kita</a:t>
+            </a:r>
+            <a:r>
+              <a:rPr lang="en-US" dirty="0" smtClean="0"/>
+              <a:t> </a:t>
+            </a:r>
+            <a:r>
+              <a:rPr lang="en-US" dirty="0" err="1" smtClean="0"/>
+              <a:t>pilih</a:t>
+            </a:r>
+            <a:r>
+              <a:rPr lang="en-US" dirty="0" smtClean="0"/>
+              <a:t> </a:t>
+            </a:r>
+            <a:r>
+              <a:rPr lang="en-US" dirty="0" err="1" smtClean="0"/>
+              <a:t>dengan</a:t>
+            </a:r>
+            <a:r>
+              <a:rPr lang="en-US" dirty="0" smtClean="0"/>
+              <a:t> </a:t>
+            </a:r>
+            <a:r>
+              <a:rPr lang="en-US" dirty="0" err="1" smtClean="0"/>
+              <a:t>alasan</a:t>
+            </a:r>
+            <a:r>
+              <a:rPr lang="en-US" dirty="0" smtClean="0"/>
+              <a:t> </a:t>
+            </a:r>
+            <a:r>
+              <a:rPr lang="en-US" dirty="0" err="1" smtClean="0"/>
+              <a:t>keamanan</a:t>
+            </a:r>
+            <a:r>
+              <a:rPr lang="en-US" dirty="0" smtClean="0"/>
+              <a:t>, </a:t>
+            </a:r>
+            <a:r>
+              <a:rPr lang="en-US" dirty="0" err="1" smtClean="0"/>
+              <a:t>misalnya</a:t>
+            </a:r>
+            <a:r>
+              <a:rPr lang="en-US" dirty="0" smtClean="0"/>
+              <a:t> password, login info, database </a:t>
+            </a:r>
+            <a:r>
+              <a:rPr lang="en-US" dirty="0" err="1" smtClean="0"/>
+              <a:t>koneksi</a:t>
+            </a:r>
+            <a:r>
+              <a:rPr lang="en-US" dirty="0" smtClean="0"/>
               <a:t> </a:t>
             </a:r>
             <a:r>
@@ -9776,66 +9327,473 @@
             </a:r>
           </a:p>
           <a:p>
-            <a:r>
-              <a:rPr lang="en-US" dirty="0">
-                <a:hlinkClick r:id="rId2"/>
-              </a:rPr>
-              <a:t> </a:t>
+            <a:pPr marL="285750" marR="0" lvl="0" indent="-285750" defTabSz="914400" eaLnBrk="1" fontAlgn="auto" latinLnBrk="0" hangingPunct="1">
+              <a:lnSpc>
+                <a:spcPct val="100000"/>
+              </a:lnSpc>
+              <a:spcBef>
+                <a:spcPts val="0"/>
+              </a:spcBef>
+              <a:spcAft>
+                <a:spcPts val="0"/>
+              </a:spcAft>
+              <a:buClrTx/>
+              <a:buSzTx/>
+              <a:buFont typeface="Wingdings" charset="2"/>
+              <a:buChar char="Ø"/>
+              <a:tabLst/>
+              <a:defRPr/>
+            </a:pPr>
+            <a:r>
+              <a:rPr lang="en-US" dirty="0" err="1" smtClean="0"/>
+              <a:t>Mem</a:t>
+            </a:r>
+            <a:r>
+              <a:rPr lang="en-US" dirty="0" err="1" smtClean="0">
+                <a:solidFill>
+                  <a:srgbClr val="FF0000"/>
+                </a:solidFill>
+              </a:rPr>
+              <a:t>buat</a:t>
             </a:r>
             <a:r>
               <a:rPr lang="en-US" dirty="0" smtClean="0">
-                <a:hlinkClick r:id="rId2"/>
-              </a:rPr>
-              <a:t>https</a:t>
-            </a:r>
-            <a:r>
-              <a:rPr lang="en-US" dirty="0">
-                <a:hlinkClick r:id="rId2"/>
-              </a:rPr>
-              <a:t>://</a:t>
+                <a:solidFill>
+                  <a:srgbClr val="FF0000"/>
+                </a:solidFill>
+              </a:rPr>
+              <a:t> local project</a:t>
+            </a:r>
+            <a:r>
+              <a:rPr lang="en-US" dirty="0" smtClean="0"/>
+              <a:t>. </a:t>
+            </a:r>
+          </a:p>
+          <a:p>
+            <a:pPr marL="285750" marR="0" lvl="0" indent="-285750" defTabSz="914400" eaLnBrk="1" fontAlgn="auto" latinLnBrk="0" hangingPunct="1">
+              <a:lnSpc>
+                <a:spcPct val="100000"/>
+              </a:lnSpc>
+              <a:spcBef>
+                <a:spcPts val="0"/>
+              </a:spcBef>
+              <a:spcAft>
+                <a:spcPts val="0"/>
+              </a:spcAft>
+              <a:buClrTx/>
+              <a:buSzTx/>
+              <a:buFont typeface="Wingdings" charset="2"/>
+              <a:buChar char="Ø"/>
+              <a:tabLst/>
+              <a:defRPr/>
+            </a:pPr>
+            <a:r>
+              <a:rPr lang="en-US" dirty="0" err="1" smtClean="0"/>
+              <a:t>Buat</a:t>
+            </a:r>
+            <a:r>
+              <a:rPr lang="en-US" dirty="0" smtClean="0"/>
+              <a:t> </a:t>
+            </a:r>
+            <a:r>
+              <a:rPr lang="en-US" dirty="0" err="1" smtClean="0"/>
+              <a:t>sebuah</a:t>
+            </a:r>
+            <a:r>
+              <a:rPr lang="en-US" dirty="0" smtClean="0"/>
+              <a:t> </a:t>
             </a:r>
             <a:r>
               <a:rPr lang="en-US" dirty="0" smtClean="0">
-                <a:hlinkClick r:id="rId2"/>
-              </a:rPr>
-              <a:t>git-scm.com/book/id/v1/Memulai-Git-Dasar-Git</a:t>
-            </a:r>
+                <a:solidFill>
+                  <a:srgbClr val="FF0000"/>
+                </a:solidFill>
+              </a:rPr>
+              <a:t>file</a:t>
+            </a:r>
+            <a:r>
+              <a:rPr lang="en-US" dirty="0" smtClean="0"/>
+              <a:t> </a:t>
+            </a:r>
+            <a:r>
+              <a:rPr lang="en-US" dirty="0" err="1" smtClean="0"/>
+              <a:t>dan</a:t>
+            </a:r>
+            <a:r>
+              <a:rPr lang="en-US" dirty="0" smtClean="0"/>
+              <a:t> </a:t>
+            </a:r>
+            <a:r>
+              <a:rPr lang="en-US" dirty="0" err="1" smtClean="0"/>
+              <a:t>lakukan</a:t>
+            </a:r>
+            <a:r>
+              <a:rPr lang="en-US" dirty="0" smtClean="0"/>
+              <a:t> </a:t>
+            </a:r>
+            <a:r>
+              <a:rPr lang="en-US" dirty="0" err="1" smtClean="0"/>
+              <a:t>perubahan</a:t>
+            </a:r>
+            <a:r>
+              <a:rPr lang="en-US" dirty="0" smtClean="0"/>
+              <a:t> (update).</a:t>
+            </a:r>
+          </a:p>
+          <a:p>
+            <a:pPr marL="285750" marR="0" lvl="0" indent="-285750" defTabSz="914400" eaLnBrk="1" fontAlgn="auto" latinLnBrk="0" hangingPunct="1">
+              <a:lnSpc>
+                <a:spcPct val="100000"/>
+              </a:lnSpc>
+              <a:spcBef>
+                <a:spcPts val="0"/>
+              </a:spcBef>
+              <a:spcAft>
+                <a:spcPts val="0"/>
+              </a:spcAft>
+              <a:buClrTx/>
+              <a:buSzTx/>
+              <a:buFont typeface="Wingdings" charset="2"/>
+              <a:buChar char="Ø"/>
+              <a:tabLst/>
+              <a:defRPr/>
+            </a:pPr>
+            <a:r>
+              <a:rPr lang="en-US" dirty="0" err="1" smtClean="0">
+                <a:solidFill>
+                  <a:srgbClr val="FF0000"/>
+                </a:solidFill>
+              </a:rPr>
+              <a:t>Comandline</a:t>
+            </a:r>
+            <a:r>
+              <a:rPr lang="en-US" dirty="0" smtClean="0"/>
+              <a:t> -&gt; </a:t>
+            </a:r>
+            <a:r>
+              <a:rPr lang="en-US" dirty="0" err="1" smtClean="0"/>
+              <a:t>git</a:t>
+            </a:r>
+            <a:r>
+              <a:rPr lang="en-US" dirty="0" smtClean="0"/>
+              <a:t> </a:t>
+            </a:r>
+            <a:r>
+              <a:rPr lang="en-US" dirty="0" err="1" smtClean="0"/>
+              <a:t>init</a:t>
+            </a:r>
+            <a:r>
+              <a:rPr lang="en-US" dirty="0" smtClean="0"/>
+              <a:t> &gt; </a:t>
+            </a:r>
+            <a:r>
+              <a:rPr lang="en-US" dirty="0" err="1" smtClean="0"/>
+              <a:t>git</a:t>
+            </a:r>
+            <a:r>
+              <a:rPr lang="en-US" dirty="0" smtClean="0"/>
+              <a:t> status &gt; </a:t>
+            </a:r>
+            <a:r>
+              <a:rPr lang="en-US" dirty="0" err="1" smtClean="0"/>
+              <a:t>git</a:t>
+            </a:r>
+            <a:r>
+              <a:rPr lang="en-US" dirty="0" smtClean="0"/>
+              <a:t> add . &gt; </a:t>
+            </a:r>
+            <a:r>
+              <a:rPr lang="en-US" dirty="0" err="1" smtClean="0"/>
+              <a:t>git</a:t>
+            </a:r>
+            <a:r>
+              <a:rPr lang="en-US" dirty="0" smtClean="0"/>
+              <a:t> commit “Initial commit” &gt; </a:t>
+            </a:r>
+            <a:r>
+              <a:rPr lang="en-US" dirty="0" err="1" smtClean="0"/>
+              <a:t>git</a:t>
+            </a:r>
+            <a:r>
+              <a:rPr lang="en-US" dirty="0" smtClean="0"/>
+              <a:t> log. </a:t>
+            </a:r>
+          </a:p>
+          <a:p>
+            <a:pPr marL="285750" marR="0" lvl="0" indent="-285750" defTabSz="914400" eaLnBrk="1" fontAlgn="auto" latinLnBrk="0" hangingPunct="1">
+              <a:lnSpc>
+                <a:spcPct val="100000"/>
+              </a:lnSpc>
+              <a:spcBef>
+                <a:spcPts val="0"/>
+              </a:spcBef>
+              <a:spcAft>
+                <a:spcPts val="0"/>
+              </a:spcAft>
+              <a:buClrTx/>
+              <a:buSzTx/>
+              <a:buFont typeface="Wingdings" charset="2"/>
+              <a:buChar char="Ø"/>
+              <a:tabLst/>
+              <a:defRPr/>
+            </a:pPr>
+            <a:r>
+              <a:rPr lang="en-US" dirty="0" smtClean="0"/>
+              <a:t>Copy </a:t>
+            </a:r>
+            <a:r>
+              <a:rPr lang="en-US" dirty="0" err="1" smtClean="0"/>
+              <a:t>dan</a:t>
+            </a:r>
+            <a:r>
+              <a:rPr lang="en-US" dirty="0" smtClean="0"/>
+              <a:t> Paste add </a:t>
+            </a:r>
+            <a:r>
+              <a:rPr lang="en-US" dirty="0" smtClean="0">
+                <a:solidFill>
+                  <a:srgbClr val="FF0000"/>
+                </a:solidFill>
+              </a:rPr>
+              <a:t>remote repository</a:t>
+            </a:r>
+            <a:r>
+              <a:rPr lang="en-US" dirty="0" smtClean="0"/>
+              <a:t> link di folder project. </a:t>
+            </a:r>
+          </a:p>
+          <a:p>
+            <a:pPr marL="285750" marR="0" lvl="0" indent="-285750" defTabSz="914400" eaLnBrk="1" fontAlgn="auto" latinLnBrk="0" hangingPunct="1">
+              <a:lnSpc>
+                <a:spcPct val="100000"/>
+              </a:lnSpc>
+              <a:spcBef>
+                <a:spcPts val="0"/>
+              </a:spcBef>
+              <a:spcAft>
+                <a:spcPts val="0"/>
+              </a:spcAft>
+              <a:buClrTx/>
+              <a:buSzTx/>
+              <a:buFont typeface="Wingdings" charset="2"/>
+              <a:buChar char="Ø"/>
+              <a:tabLst/>
+              <a:defRPr/>
+            </a:pPr>
+            <a:r>
+              <a:rPr lang="en-US" dirty="0" err="1" smtClean="0"/>
+              <a:t>Cek</a:t>
+            </a:r>
+            <a:r>
+              <a:rPr lang="en-US" dirty="0" smtClean="0"/>
+              <a:t> </a:t>
+            </a:r>
+            <a:r>
+              <a:rPr lang="en-US" dirty="0" err="1" smtClean="0"/>
+              <a:t>dengan</a:t>
+            </a:r>
+            <a:r>
+              <a:rPr lang="en-US" dirty="0" smtClean="0"/>
+              <a:t> </a:t>
+            </a:r>
+            <a:r>
+              <a:rPr lang="en-US" dirty="0" err="1" smtClean="0">
+                <a:solidFill>
+                  <a:srgbClr val="FF0000"/>
+                </a:solidFill>
+              </a:rPr>
+              <a:t>git</a:t>
+            </a:r>
+            <a:r>
+              <a:rPr lang="en-US" dirty="0" smtClean="0">
+                <a:solidFill>
+                  <a:srgbClr val="FF0000"/>
+                </a:solidFill>
+              </a:rPr>
+              <a:t> remote –v</a:t>
+            </a:r>
+            <a:r>
+              <a:rPr lang="en-US" dirty="0" smtClean="0"/>
+              <a:t>.</a:t>
+            </a:r>
+          </a:p>
+          <a:p>
+            <a:pPr marL="285750" marR="0" lvl="0" indent="-285750" defTabSz="914400" eaLnBrk="1" fontAlgn="auto" latinLnBrk="0" hangingPunct="1">
+              <a:lnSpc>
+                <a:spcPct val="100000"/>
+              </a:lnSpc>
+              <a:spcBef>
+                <a:spcPts val="0"/>
+              </a:spcBef>
+              <a:spcAft>
+                <a:spcPts val="0"/>
+              </a:spcAft>
+              <a:buClrTx/>
+              <a:buSzTx/>
+              <a:buFont typeface="Wingdings" charset="2"/>
+              <a:buChar char="Ø"/>
+              <a:tabLst/>
+              <a:defRPr/>
+            </a:pPr>
+            <a:r>
+              <a:rPr lang="en-US" dirty="0" err="1">
+                <a:solidFill>
+                  <a:srgbClr val="FF0000"/>
+                </a:solidFill>
+              </a:rPr>
+              <a:t>g</a:t>
+            </a:r>
+            <a:r>
+              <a:rPr lang="en-US" dirty="0" err="1" smtClean="0">
+                <a:solidFill>
+                  <a:srgbClr val="FF0000"/>
+                </a:solidFill>
+              </a:rPr>
+              <a:t>it</a:t>
+            </a:r>
+            <a:r>
+              <a:rPr lang="en-US" dirty="0" smtClean="0">
+                <a:solidFill>
+                  <a:srgbClr val="FF0000"/>
+                </a:solidFill>
+              </a:rPr>
+              <a:t> push –u origin master</a:t>
+            </a:r>
+            <a:r>
+              <a:rPr lang="en-US" dirty="0" smtClean="0"/>
+              <a:t>, </a:t>
+            </a:r>
+            <a:r>
+              <a:rPr lang="en-US" dirty="0" err="1" smtClean="0"/>
+              <a:t>untuk</a:t>
+            </a:r>
+            <a:r>
+              <a:rPr lang="en-US" dirty="0" smtClean="0"/>
+              <a:t> </a:t>
+            </a:r>
+            <a:r>
+              <a:rPr lang="en-US" dirty="0" err="1" smtClean="0"/>
+              <a:t>mengapload</a:t>
+            </a:r>
+            <a:r>
+              <a:rPr lang="en-US" dirty="0" smtClean="0"/>
+              <a:t> file </a:t>
+            </a:r>
+            <a:r>
+              <a:rPr lang="en-US" dirty="0" err="1" smtClean="0"/>
+              <a:t>ke</a:t>
+            </a:r>
+            <a:r>
+              <a:rPr lang="en-US" dirty="0" smtClean="0"/>
+              <a:t> server.</a:t>
+            </a:r>
+          </a:p>
+          <a:p>
+            <a:pPr marL="0" marR="0" lvl="0" indent="0" defTabSz="914400" eaLnBrk="1" fontAlgn="auto" latinLnBrk="0" hangingPunct="1">
+              <a:lnSpc>
+                <a:spcPct val="100000"/>
+              </a:lnSpc>
+              <a:spcBef>
+                <a:spcPts val="0"/>
+              </a:spcBef>
+              <a:spcAft>
+                <a:spcPts val="0"/>
+              </a:spcAft>
+              <a:buClrTx/>
+              <a:buSzTx/>
+              <a:buFontTx/>
+              <a:buNone/>
+              <a:tabLst/>
+              <a:defRPr/>
+            </a:pPr>
             <a:endParaRPr lang="en-US" dirty="0" smtClean="0"/>
           </a:p>
           <a:p>
-            <a:r>
-              <a:rPr lang="en-US" dirty="0"/>
-              <a:t> </a:t>
-            </a:r>
-            <a:r>
-              <a:rPr lang="en-US" dirty="0">
-                <a:hlinkClick r:id="rId3"/>
-              </a:rPr>
-              <a:t>https://</a:t>
-            </a:r>
-            <a:r>
-              <a:rPr lang="en-US" dirty="0" smtClean="0">
-                <a:hlinkClick r:id="rId3"/>
-              </a:rPr>
-              <a:t>github.com/vanbumi/CodeJournal/tree/master/GIT</a:t>
-            </a:r>
+            <a:pPr marL="0" marR="0" lvl="0" indent="0" defTabSz="914400" eaLnBrk="1" fontAlgn="auto" latinLnBrk="0" hangingPunct="1">
+              <a:lnSpc>
+                <a:spcPct val="100000"/>
+              </a:lnSpc>
+              <a:spcBef>
+                <a:spcPts val="0"/>
+              </a:spcBef>
+              <a:spcAft>
+                <a:spcPts val="0"/>
+              </a:spcAft>
+              <a:buClrTx/>
+              <a:buSzTx/>
+              <a:buFontTx/>
+              <a:buNone/>
+              <a:tabLst/>
+              <a:defRPr/>
+            </a:pPr>
+            <a:endParaRPr lang="en-US" dirty="0" smtClean="0"/>
+          </a:p>
+          <a:p>
+            <a:pPr marL="0" marR="0" lvl="0" indent="0" defTabSz="914400" eaLnBrk="1" fontAlgn="auto" latinLnBrk="0" hangingPunct="1">
+              <a:lnSpc>
+                <a:spcPct val="100000"/>
+              </a:lnSpc>
+              <a:spcBef>
+                <a:spcPts val="0"/>
+              </a:spcBef>
+              <a:spcAft>
+                <a:spcPts val="0"/>
+              </a:spcAft>
+              <a:buClrTx/>
+              <a:buSzTx/>
+              <a:buFontTx/>
+              <a:buNone/>
+              <a:tabLst/>
+              <a:defRPr/>
+            </a:pPr>
             <a:endParaRPr lang="en-US" dirty="0"/>
           </a:p>
           <a:p>
-            <a:pPr>
+            <a:pPr marL="0" marR="0" lvl="0" indent="0" defTabSz="914400" eaLnBrk="1" fontAlgn="auto" latinLnBrk="0" hangingPunct="1">
+              <a:lnSpc>
+                <a:spcPct val="100000"/>
+              </a:lnSpc>
+              <a:spcBef>
+                <a:spcPts val="0"/>
+              </a:spcBef>
+              <a:spcAft>
+                <a:spcPts val="0"/>
+              </a:spcAft>
+              <a:buClrTx/>
+              <a:buSzTx/>
+              <a:buFontTx/>
               <a:buNone/>
+              <a:tabLst/>
+              <a:defRPr/>
             </a:pPr>
             <a:endParaRPr lang="en-US" dirty="0" smtClean="0"/>
           </a:p>
           <a:p>
-            <a:endParaRPr lang="en-US" dirty="0" smtClean="0"/>
+            <a:pPr marL="0" marR="0" lvl="0" indent="0" defTabSz="914400" eaLnBrk="1" fontAlgn="auto" latinLnBrk="0" hangingPunct="1">
+              <a:lnSpc>
+                <a:spcPct val="100000"/>
+              </a:lnSpc>
+              <a:spcBef>
+                <a:spcPts val="0"/>
+              </a:spcBef>
+              <a:spcAft>
+                <a:spcPts val="0"/>
+              </a:spcAft>
+              <a:buClrTx/>
+              <a:buSzTx/>
+              <a:buFontTx/>
+              <a:buNone/>
+              <a:tabLst/>
+              <a:defRPr/>
+            </a:pPr>
+            <a:endParaRPr lang="en-US" dirty="0"/>
           </a:p>
         </p:txBody>
       </p:sp>
     </p:spTree>
     <p:extLst>
       <p:ext uri="{BB962C8B-B14F-4D97-AF65-F5344CB8AC3E}">
-        <p14:creationId xmlns:p14="http://schemas.microsoft.com/office/powerpoint/2010/main" val="1080472425"/>
+        <p14:creationId xmlns:p14="http://schemas.microsoft.com/office/powerpoint/2010/main" val="1256896828"/>
       </p:ext>
     </p:extLst>
   </p:cSld>
@@ -9871,38 +9829,184 @@
       </p:grpSpPr>
       <p:sp>
         <p:nvSpPr>
-          <p:cNvPr id="2" name="TextBox 1"/>
-          <p:cNvSpPr txBox="1"/>
-          <p:nvPr/>
+          <p:cNvPr id="2" name="Title 1"/>
+          <p:cNvSpPr>
+            <a:spLocks noGrp="1"/>
+          </p:cNvSpPr>
+          <p:nvPr>
+            <p:ph type="title"/>
+          </p:nvPr>
         </p:nvSpPr>
-        <p:spPr>
-          <a:xfrm>
-            <a:off x="4155440" y="2357120"/>
-            <a:ext cx="1027845" cy="584775"/>
-          </a:xfrm>
-          <a:prstGeom prst="rect">
-            <a:avLst/>
-          </a:prstGeom>
-          <a:noFill/>
-        </p:spPr>
+        <p:spPr/>
         <p:txBody>
-          <a:bodyPr wrap="none" rtlCol="0">
-            <a:spAutoFit/>
-          </a:bodyPr>
+          <a:bodyPr/>
           <a:lstStyle/>
           <a:p>
             <a:r>
-              <a:rPr lang="en-US" sz="3200" dirty="0" smtClean="0"/>
-              <a:t>Next</a:t>
-            </a:r>
-            <a:endParaRPr lang="en-US" sz="3200" dirty="0"/>
+              <a:rPr lang="en-US" dirty="0" err="1" smtClean="0"/>
+              <a:t>Silahkan</a:t>
+            </a:r>
+            <a:r>
+              <a:rPr lang="en-US" dirty="0" smtClean="0"/>
+              <a:t> </a:t>
+            </a:r>
+            <a:r>
+              <a:rPr lang="en-US" dirty="0" err="1" smtClean="0"/>
+              <a:t>anda</a:t>
+            </a:r>
+            <a:r>
+              <a:rPr lang="en-US" dirty="0" smtClean="0"/>
+              <a:t> </a:t>
+            </a:r>
+            <a:r>
+              <a:rPr lang="en-US" dirty="0" err="1" smtClean="0"/>
+              <a:t>pelajar</a:t>
+            </a:r>
+            <a:r>
+              <a:rPr lang="en-US" dirty="0" smtClean="0"/>
+              <a:t> </a:t>
+            </a:r>
+            <a:r>
+              <a:rPr lang="en-US" dirty="0" err="1" smtClean="0"/>
+              <a:t>lebih</a:t>
+            </a:r>
+            <a:r>
+              <a:rPr lang="en-US" dirty="0" smtClean="0"/>
+              <a:t> </a:t>
+            </a:r>
+            <a:r>
+              <a:rPr lang="en-US" dirty="0" err="1" smtClean="0"/>
+              <a:t>lanjut</a:t>
+            </a:r>
+            <a:r>
+              <a:rPr lang="en-US" dirty="0" smtClean="0"/>
+              <a:t> system </a:t>
+            </a:r>
+            <a:r>
+              <a:rPr lang="en-US" dirty="0" err="1" smtClean="0"/>
+              <a:t>Git</a:t>
+            </a:r>
+            <a:r>
+              <a:rPr lang="en-US" dirty="0"/>
+              <a:t> </a:t>
+            </a:r>
+            <a:r>
+              <a:rPr lang="en-US" dirty="0" smtClean="0"/>
+              <a:t>:</a:t>
+            </a:r>
+            <a:endParaRPr lang="en-US" dirty="0"/>
+          </a:p>
+        </p:txBody>
+      </p:sp>
+      <p:sp>
+        <p:nvSpPr>
+          <p:cNvPr id="3" name="Text Placeholder 2"/>
+          <p:cNvSpPr>
+            <a:spLocks noGrp="1"/>
+          </p:cNvSpPr>
+          <p:nvPr>
+            <p:ph type="body" idx="1"/>
+          </p:nvPr>
+        </p:nvSpPr>
+        <p:spPr/>
+        <p:txBody>
+          <a:bodyPr/>
+          <a:lstStyle/>
+          <a:p>
+            <a:r>
+              <a:rPr lang="en-US" dirty="0"/>
+              <a:t> </a:t>
+            </a:r>
+            <a:r>
+              <a:rPr lang="en-US" dirty="0" smtClean="0"/>
+              <a:t>How to checkout.</a:t>
+            </a:r>
+          </a:p>
+          <a:p>
+            <a:r>
+              <a:rPr lang="en-US" dirty="0"/>
+              <a:t> </a:t>
+            </a:r>
+            <a:r>
+              <a:rPr lang="en-US" dirty="0" smtClean="0"/>
+              <a:t>How to merge.</a:t>
+            </a:r>
+          </a:p>
+          <a:p>
+            <a:r>
+              <a:rPr lang="en-US" dirty="0"/>
+              <a:t> </a:t>
+            </a:r>
+            <a:r>
+              <a:rPr lang="en-US" dirty="0" err="1" smtClean="0"/>
+              <a:t>dsb</a:t>
+            </a:r>
+            <a:r>
+              <a:rPr lang="en-US" dirty="0" smtClean="0"/>
+              <a:t>.</a:t>
+            </a:r>
+          </a:p>
+          <a:p>
+            <a:r>
+              <a:rPr lang="en-US" dirty="0">
+                <a:hlinkClick r:id="rId2"/>
+              </a:rPr>
+              <a:t> </a:t>
+            </a:r>
+            <a:r>
+              <a:rPr lang="en-US" dirty="0" smtClean="0">
+                <a:hlinkClick r:id="rId2"/>
+              </a:rPr>
+              <a:t>https</a:t>
+            </a:r>
+            <a:r>
+              <a:rPr lang="en-US" dirty="0">
+                <a:hlinkClick r:id="rId2"/>
+              </a:rPr>
+              <a:t>://</a:t>
+            </a:r>
+            <a:r>
+              <a:rPr lang="en-US" dirty="0" smtClean="0">
+                <a:hlinkClick r:id="rId2"/>
+              </a:rPr>
+              <a:t>git-scm.com/book/id/v1/Memulai-Git-Dasar-Git</a:t>
+            </a:r>
+            <a:endParaRPr lang="en-US" dirty="0" smtClean="0"/>
+          </a:p>
+          <a:p>
+            <a:r>
+              <a:rPr lang="en-US" dirty="0"/>
+              <a:t> </a:t>
+            </a:r>
+            <a:r>
+              <a:rPr lang="en-US" dirty="0">
+                <a:hlinkClick r:id="rId3"/>
+              </a:rPr>
+              <a:t>https://</a:t>
+            </a:r>
+            <a:r>
+              <a:rPr lang="en-US" dirty="0" smtClean="0">
+                <a:hlinkClick r:id="rId3"/>
+              </a:rPr>
+              <a:t>github.com/vanbumi/CodeJournal/tree/master/GIT</a:t>
+            </a:r>
+            <a:endParaRPr lang="en-US" dirty="0"/>
+          </a:p>
+          <a:p>
+            <a:pPr>
+              <a:buNone/>
+            </a:pPr>
+            <a:endParaRPr lang="en-US" dirty="0" smtClean="0"/>
+          </a:p>
+          <a:p>
+            <a:endParaRPr lang="en-US" dirty="0" smtClean="0"/>
           </a:p>
         </p:txBody>
       </p:sp>
     </p:spTree>
     <p:extLst>
       <p:ext uri="{BB962C8B-B14F-4D97-AF65-F5344CB8AC3E}">
-        <p14:creationId xmlns:p14="http://schemas.microsoft.com/office/powerpoint/2010/main" val="724072343"/>
+        <p14:creationId xmlns:p14="http://schemas.microsoft.com/office/powerpoint/2010/main" val="1080472425"/>
       </p:ext>
     </p:extLst>
   </p:cSld>
@@ -10248,6 +10352,73 @@
       </p:grpSpPr>
       <p:sp>
         <p:nvSpPr>
+          <p:cNvPr id="2" name="TextBox 1"/>
+          <p:cNvSpPr txBox="1"/>
+          <p:nvPr/>
+        </p:nvSpPr>
+        <p:spPr>
+          <a:xfrm>
+            <a:off x="4155440" y="2357120"/>
+            <a:ext cx="1027845" cy="584775"/>
+          </a:xfrm>
+          <a:prstGeom prst="rect">
+            <a:avLst/>
+          </a:prstGeom>
+          <a:noFill/>
+        </p:spPr>
+        <p:txBody>
+          <a:bodyPr wrap="none" rtlCol="0">
+            <a:spAutoFit/>
+          </a:bodyPr>
+          <a:lstStyle/>
+          <a:p>
+            <a:r>
+              <a:rPr lang="en-US" sz="3200" dirty="0" smtClean="0"/>
+              <a:t>Next</a:t>
+            </a:r>
+            <a:endParaRPr lang="en-US" sz="3200" dirty="0"/>
+          </a:p>
+        </p:txBody>
+      </p:sp>
+    </p:spTree>
+    <p:extLst>
+      <p:ext uri="{BB962C8B-B14F-4D97-AF65-F5344CB8AC3E}">
+        <p14:creationId xmlns:p14="http://schemas.microsoft.com/office/powerpoint/2010/main" val="724072343"/>
+      </p:ext>
+    </p:extLst>
+  </p:cSld>
+  <p:clrMapOvr>
+    <a:masterClrMapping/>
+  </p:clrMapOvr>
+  <p:timing>
+    <p:tnLst>
+      <p:par>
+        <p:cTn id="1" dur="indefinite" restart="never" nodeType="tmRoot"/>
+      </p:par>
+    </p:tnLst>
+  </p:timing>
+</p:sld>
+</file>
+
+<file path=ppt/slides/slide21.xml><?xml version="1.0" encoding="utf-8"?>
+<p:sld xmlns:a="http://schemas.openxmlformats.org/drawingml/2006/main" xmlns:r="http://schemas.openxmlformats.org/officeDocument/2006/relationships" xmlns:p="http://schemas.openxmlformats.org/presentationml/2006/main">
+  <p:cSld>
+    <p:spTree>
+      <p:nvGrpSpPr>
+        <p:cNvPr id="1" name=""/>
+        <p:cNvGrpSpPr/>
+        <p:nvPr/>
+      </p:nvGrpSpPr>
+      <p:grpSpPr>
+        <a:xfrm>
+          <a:off x="0" y="0"/>
+          <a:ext cx="0" cy="0"/>
+          <a:chOff x="0" y="0"/>
+          <a:chExt cx="0" cy="0"/>
+        </a:xfrm>
+      </p:grpSpPr>
+      <p:sp>
+        <p:nvSpPr>
           <p:cNvPr id="2" name="Title 1"/>
           <p:cNvSpPr>
             <a:spLocks noGrp="1"/>
@@ -10773,7 +10944,7 @@
 </p:sld>
 </file>
 
-<file path=ppt/slides/slide21.xml><?xml version="1.0" encoding="utf-8"?>
+<file path=ppt/slides/slide22.xml><?xml version="1.0" encoding="utf-8"?>
 <p:sld xmlns:a="http://schemas.openxmlformats.org/drawingml/2006/main" xmlns:r="http://schemas.openxmlformats.org/officeDocument/2006/relationships" xmlns:p="http://schemas.openxmlformats.org/presentationml/2006/main">
   <p:cSld>
     <p:spTree>
@@ -11068,7 +11239,7 @@
 </p:sld>
 </file>
 
-<file path=ppt/slides/slide22.xml><?xml version="1.0" encoding="utf-8"?>
+<file path=ppt/slides/slide23.xml><?xml version="1.0" encoding="utf-8"?>
 <p:sld xmlns:a="http://schemas.openxmlformats.org/drawingml/2006/main" xmlns:r="http://schemas.openxmlformats.org/officeDocument/2006/relationships" xmlns:p="http://schemas.openxmlformats.org/presentationml/2006/main">
   <p:cSld>
     <p:spTree>
@@ -11491,7 +11662,7 @@
 </p:sld>
 </file>
 
-<file path=ppt/slides/slide23.xml><?xml version="1.0" encoding="utf-8"?>
+<file path=ppt/slides/slide24.xml><?xml version="1.0" encoding="utf-8"?>
 <p:sld xmlns:a="http://schemas.openxmlformats.org/drawingml/2006/main" xmlns:r="http://schemas.openxmlformats.org/officeDocument/2006/relationships" xmlns:p="http://schemas.openxmlformats.org/presentationml/2006/main">
   <p:cSld>
     <p:spTree>
@@ -11622,7 +11793,7 @@
 </p:sld>
 </file>
 
-<file path=ppt/slides/slide24.xml><?xml version="1.0" encoding="utf-8"?>
+<file path=ppt/slides/slide25.xml><?xml version="1.0" encoding="utf-8"?>
 <p:sld xmlns:a="http://schemas.openxmlformats.org/drawingml/2006/main" xmlns:r="http://schemas.openxmlformats.org/officeDocument/2006/relationships" xmlns:p="http://schemas.openxmlformats.org/presentationml/2006/main">
   <p:cSld>
     <p:spTree>
@@ -11815,533 +11986,6 @@
     <p:extLst>
       <p:ext uri="{BB962C8B-B14F-4D97-AF65-F5344CB8AC3E}">
         <p14:creationId xmlns:p14="http://schemas.microsoft.com/office/powerpoint/2010/main" val="1317140998"/>
-      </p:ext>
-    </p:extLst>
-  </p:cSld>
-  <p:clrMapOvr>
-    <a:masterClrMapping/>
-  </p:clrMapOvr>
-  <p:timing>
-    <p:tnLst>
-      <p:par>
-        <p:cTn id="1" dur="indefinite" restart="never" nodeType="tmRoot"/>
-      </p:par>
-    </p:tnLst>
-  </p:timing>
-</p:sld>
-</file>
-
-<file path=ppt/slides/slide25.xml><?xml version="1.0" encoding="utf-8"?>
-<p:sld xmlns:a="http://schemas.openxmlformats.org/drawingml/2006/main" xmlns:r="http://schemas.openxmlformats.org/officeDocument/2006/relationships" xmlns:p="http://schemas.openxmlformats.org/presentationml/2006/main">
-  <p:cSld>
-    <p:spTree>
-      <p:nvGrpSpPr>
-        <p:cNvPr id="1" name=""/>
-        <p:cNvGrpSpPr/>
-        <p:nvPr/>
-      </p:nvGrpSpPr>
-      <p:grpSpPr>
-        <a:xfrm>
-          <a:off x="0" y="0"/>
-          <a:ext cx="0" cy="0"/>
-          <a:chOff x="0" y="0"/>
-          <a:chExt cx="0" cy="0"/>
-        </a:xfrm>
-      </p:grpSpPr>
-      <p:sp>
-        <p:nvSpPr>
-          <p:cNvPr id="2" name="TextBox 1"/>
-          <p:cNvSpPr txBox="1"/>
-          <p:nvPr/>
-        </p:nvSpPr>
-        <p:spPr>
-          <a:xfrm>
-            <a:off x="3525520" y="162560"/>
-            <a:ext cx="2222083" cy="400110"/>
-          </a:xfrm>
-          <a:prstGeom prst="rect">
-            <a:avLst/>
-          </a:prstGeom>
-          <a:noFill/>
-        </p:spPr>
-        <p:txBody>
-          <a:bodyPr wrap="none" rtlCol="0">
-            <a:spAutoFit/>
-          </a:bodyPr>
-          <a:lstStyle/>
-          <a:p>
-            <a:r>
-              <a:rPr lang="en-US" sz="2000" b="1" dirty="0" err="1" smtClean="0"/>
-              <a:t>Membuat</a:t>
-            </a:r>
-            <a:r>
-              <a:rPr lang="en-US" sz="2000" b="1" dirty="0" smtClean="0"/>
-              <a:t> </a:t>
-            </a:r>
-            <a:r>
-              <a:rPr lang="en-US" sz="2000" b="1" dirty="0" err="1" smtClean="0"/>
-              <a:t>navbar</a:t>
-            </a:r>
-            <a:endParaRPr lang="en-US" sz="2000" b="1" dirty="0"/>
-          </a:p>
-        </p:txBody>
-      </p:sp>
-      <p:sp>
-        <p:nvSpPr>
-          <p:cNvPr id="4" name="Rectangle 3"/>
-          <p:cNvSpPr/>
-          <p:nvPr/>
-        </p:nvSpPr>
-        <p:spPr>
-          <a:xfrm>
-            <a:off x="254000" y="812800"/>
-            <a:ext cx="8483600" cy="3323987"/>
-          </a:xfrm>
-          <a:prstGeom prst="rect">
-            <a:avLst/>
-          </a:prstGeom>
-        </p:spPr>
-        <p:txBody>
-          <a:bodyPr wrap="square">
-            <a:spAutoFit/>
-          </a:bodyPr>
-          <a:lstStyle/>
-          <a:p>
-            <a:r>
-              <a:rPr lang="en-US" dirty="0"/>
-              <a:t>&lt;</a:t>
-            </a:r>
-            <a:r>
-              <a:rPr lang="en-US" dirty="0" err="1"/>
-              <a:t>nav</a:t>
-            </a:r>
-            <a:r>
-              <a:rPr lang="en-US" dirty="0"/>
-              <a:t> class="</a:t>
-            </a:r>
-            <a:r>
-              <a:rPr lang="en-US" dirty="0" err="1"/>
-              <a:t>navbar</a:t>
-            </a:r>
-            <a:r>
-              <a:rPr lang="en-US" dirty="0"/>
-              <a:t> </a:t>
-            </a:r>
-            <a:r>
-              <a:rPr lang="en-US" dirty="0" err="1"/>
-              <a:t>navbar</a:t>
-            </a:r>
-            <a:r>
-              <a:rPr lang="en-US" dirty="0"/>
-              <a:t>-expand-</a:t>
-            </a:r>
-            <a:r>
-              <a:rPr lang="en-US" dirty="0" err="1"/>
-              <a:t>sm</a:t>
-            </a:r>
-            <a:r>
-              <a:rPr lang="en-US" dirty="0"/>
-              <a:t> </a:t>
-            </a:r>
-            <a:r>
-              <a:rPr lang="en-US" dirty="0" err="1"/>
-              <a:t>bg</a:t>
-            </a:r>
-            <a:r>
-              <a:rPr lang="en-US" dirty="0"/>
-              <a:t>-dark </a:t>
-            </a:r>
-            <a:r>
-              <a:rPr lang="en-US" dirty="0" err="1"/>
-              <a:t>navbar</a:t>
-            </a:r>
-            <a:r>
-              <a:rPr lang="en-US" dirty="0"/>
-              <a:t>-dark fixed-top"&gt;  </a:t>
-            </a:r>
-            <a:endParaRPr lang="en-US" dirty="0" smtClean="0"/>
-          </a:p>
-          <a:p>
-            <a:r>
-              <a:rPr lang="en-US" dirty="0"/>
-              <a:t> </a:t>
-            </a:r>
-            <a:r>
-              <a:rPr lang="en-US" dirty="0" smtClean="0"/>
-              <a:t>   &lt;</a:t>
-            </a:r>
-            <a:r>
-              <a:rPr lang="en-US" dirty="0"/>
-              <a:t>div class="container"&gt;    </a:t>
-            </a:r>
-            <a:endParaRPr lang="en-US" dirty="0" smtClean="0"/>
-          </a:p>
-          <a:p>
-            <a:r>
-              <a:rPr lang="en-US" dirty="0"/>
-              <a:t> </a:t>
-            </a:r>
-            <a:r>
-              <a:rPr lang="en-US" dirty="0" smtClean="0"/>
-              <a:t>       &lt;</a:t>
-            </a:r>
-            <a:r>
-              <a:rPr lang="en-US" dirty="0"/>
-              <a:t>a </a:t>
-            </a:r>
-            <a:r>
-              <a:rPr lang="en-US" dirty="0" err="1"/>
-              <a:t>href</a:t>
-            </a:r>
-            <a:r>
-              <a:rPr lang="en-US" dirty="0"/>
-              <a:t>="</a:t>
-            </a:r>
-            <a:r>
-              <a:rPr lang="en-US" dirty="0" err="1"/>
-              <a:t>index.html</a:t>
-            </a:r>
-            <a:r>
-              <a:rPr lang="en-US" dirty="0"/>
-              <a:t>" class="</a:t>
-            </a:r>
-            <a:r>
-              <a:rPr lang="en-US" dirty="0" err="1"/>
-              <a:t>navbar</a:t>
-            </a:r>
-            <a:r>
-              <a:rPr lang="en-US" dirty="0"/>
-              <a:t>-brand"&gt;</a:t>
-            </a:r>
-            <a:r>
-              <a:rPr lang="en-US" dirty="0" err="1"/>
-              <a:t>MedioTheme</a:t>
-            </a:r>
-            <a:r>
-              <a:rPr lang="en-US" dirty="0"/>
-              <a:t>&lt;/a&gt;    		</a:t>
-            </a:r>
-            <a:endParaRPr lang="en-US" dirty="0" smtClean="0"/>
-          </a:p>
-          <a:p>
-            <a:r>
-              <a:rPr lang="en-US" dirty="0"/>
-              <a:t> </a:t>
-            </a:r>
-            <a:r>
-              <a:rPr lang="en-US" dirty="0" smtClean="0"/>
-              <a:t>       &lt;</a:t>
-            </a:r>
-            <a:r>
-              <a:rPr lang="en-US" dirty="0"/>
-              <a:t>button class="</a:t>
-            </a:r>
-            <a:r>
-              <a:rPr lang="en-US" dirty="0" err="1"/>
-              <a:t>navbar-toggler</a:t>
-            </a:r>
-            <a:r>
-              <a:rPr lang="en-US" dirty="0"/>
-              <a:t>" data-toggle="collapse" data-target="#</a:t>
-            </a:r>
-            <a:r>
-              <a:rPr lang="en-US" dirty="0" err="1"/>
-              <a:t>navbarCollapse</a:t>
-            </a:r>
-            <a:r>
-              <a:rPr lang="en-US" dirty="0"/>
-              <a:t>" &gt;   </a:t>
-            </a:r>
-            <a:r>
-              <a:rPr lang="en-US" dirty="0" smtClean="0"/>
-              <a:t/>
-            </a:r>
-            <a:br>
-              <a:rPr lang="en-US" dirty="0" smtClean="0"/>
-            </a:br>
-            <a:r>
-              <a:rPr lang="en-US" dirty="0" smtClean="0"/>
-              <a:t>        &lt;</a:t>
-            </a:r>
-            <a:r>
-              <a:rPr lang="en-US" dirty="0"/>
-              <a:t>span class="</a:t>
-            </a:r>
-            <a:r>
-              <a:rPr lang="en-US" dirty="0" err="1"/>
-              <a:t>navbar</a:t>
-            </a:r>
-            <a:r>
-              <a:rPr lang="en-US" dirty="0"/>
-              <a:t>-</a:t>
-            </a:r>
-            <a:r>
-              <a:rPr lang="en-US" dirty="0" err="1"/>
-              <a:t>toggler</a:t>
-            </a:r>
-            <a:r>
-              <a:rPr lang="en-US" dirty="0"/>
-              <a:t>-icon"&gt;&lt;/span</a:t>
-            </a:r>
-            <a:r>
-              <a:rPr lang="en-US" dirty="0" smtClean="0"/>
-              <a:t>&gt;&lt;/</a:t>
-            </a:r>
-            <a:r>
-              <a:rPr lang="en-US" dirty="0"/>
-              <a:t>button&gt;    		</a:t>
-            </a:r>
-            <a:endParaRPr lang="en-US" dirty="0" smtClean="0"/>
-          </a:p>
-          <a:p>
-            <a:r>
-              <a:rPr lang="en-US" dirty="0"/>
-              <a:t> </a:t>
-            </a:r>
-            <a:r>
-              <a:rPr lang="en-US" dirty="0" smtClean="0"/>
-              <a:t>       &lt;</a:t>
-            </a:r>
-            <a:r>
-              <a:rPr lang="en-US" dirty="0"/>
-              <a:t>div class="collapse </a:t>
-            </a:r>
-            <a:r>
-              <a:rPr lang="en-US" dirty="0" err="1"/>
-              <a:t>navbar</a:t>
-            </a:r>
-            <a:r>
-              <a:rPr lang="en-US" dirty="0"/>
-              <a:t>-collapse" id="</a:t>
-            </a:r>
-            <a:r>
-              <a:rPr lang="en-US" dirty="0" err="1"/>
-              <a:t>navbarCollapse</a:t>
-            </a:r>
-            <a:r>
-              <a:rPr lang="en-US" dirty="0"/>
-              <a:t>"&gt;    			</a:t>
-            </a:r>
-            <a:endParaRPr lang="en-US" dirty="0" smtClean="0"/>
-          </a:p>
-          <a:p>
-            <a:r>
-              <a:rPr lang="en-US" dirty="0"/>
-              <a:t> </a:t>
-            </a:r>
-            <a:r>
-              <a:rPr lang="en-US" dirty="0" smtClean="0"/>
-              <a:t>           &lt;</a:t>
-            </a:r>
-            <a:r>
-              <a:rPr lang="en-US" dirty="0" err="1"/>
-              <a:t>ul</a:t>
-            </a:r>
-            <a:r>
-              <a:rPr lang="en-US" dirty="0"/>
-              <a:t> class="</a:t>
-            </a:r>
-            <a:r>
-              <a:rPr lang="en-US" dirty="0" err="1"/>
-              <a:t>navbar-nav</a:t>
-            </a:r>
-            <a:r>
-              <a:rPr lang="en-US" dirty="0"/>
-              <a:t> ml-auto</a:t>
-            </a:r>
-            <a:r>
-              <a:rPr lang="en-US" dirty="0" smtClean="0"/>
-              <a:t>"&gt;</a:t>
-            </a:r>
-          </a:p>
-          <a:p>
-            <a:pPr lvl="3"/>
-            <a:r>
-              <a:rPr lang="en-US" dirty="0" smtClean="0"/>
-              <a:t>                &lt;li class="</a:t>
-            </a:r>
-            <a:r>
-              <a:rPr lang="en-US" dirty="0" err="1" smtClean="0"/>
-              <a:t>nav</a:t>
-            </a:r>
-            <a:r>
-              <a:rPr lang="en-US" dirty="0" smtClean="0"/>
-              <a:t>-item"&gt;&lt;a </a:t>
-            </a:r>
-            <a:r>
-              <a:rPr lang="en-US" dirty="0" err="1" smtClean="0"/>
-              <a:t>href</a:t>
-            </a:r>
-            <a:r>
-              <a:rPr lang="en-US" dirty="0" smtClean="0"/>
-              <a:t>="#home" class="</a:t>
-            </a:r>
-            <a:r>
-              <a:rPr lang="en-US" dirty="0" err="1" smtClean="0"/>
-              <a:t>nav</a:t>
-            </a:r>
-            <a:r>
-              <a:rPr lang="en-US" dirty="0" smtClean="0"/>
-              <a:t>-link"&gt;Home&lt;/a&gt;&lt;/li&gt;    		</a:t>
-            </a:r>
-          </a:p>
-          <a:p>
-            <a:pPr lvl="3"/>
-            <a:r>
-              <a:rPr lang="en-US" dirty="0" smtClean="0"/>
-              <a:t>                &lt;li class="</a:t>
-            </a:r>
-            <a:r>
-              <a:rPr lang="en-US" dirty="0" err="1" smtClean="0"/>
-              <a:t>nav</a:t>
-            </a:r>
-            <a:r>
-              <a:rPr lang="en-US" dirty="0" smtClean="0"/>
-              <a:t>-item"&gt;&lt;a </a:t>
-            </a:r>
-            <a:r>
-              <a:rPr lang="en-US" dirty="0" err="1" smtClean="0"/>
-              <a:t>href</a:t>
-            </a:r>
-            <a:r>
-              <a:rPr lang="en-US" dirty="0" smtClean="0"/>
-              <a:t>="#explore-head-section" class="</a:t>
-            </a:r>
-            <a:r>
-              <a:rPr lang="en-US" dirty="0" err="1" smtClean="0"/>
-              <a:t>nav</a:t>
-            </a:r>
-            <a:r>
-              <a:rPr lang="en-US" dirty="0" smtClean="0"/>
-              <a:t>-link"&gt;Explore&lt;/a&gt;&lt;/li&gt;    </a:t>
-            </a:r>
-          </a:p>
-          <a:p>
-            <a:pPr lvl="3"/>
-            <a:r>
-              <a:rPr lang="en-US" dirty="0" smtClean="0"/>
-              <a:t>                &lt;li class="</a:t>
-            </a:r>
-            <a:r>
-              <a:rPr lang="en-US" dirty="0" err="1" smtClean="0"/>
-              <a:t>nav</a:t>
-            </a:r>
-            <a:r>
-              <a:rPr lang="en-US" dirty="0" smtClean="0"/>
-              <a:t>-item"&gt;&lt;a </a:t>
-            </a:r>
-            <a:r>
-              <a:rPr lang="en-US" dirty="0" err="1" smtClean="0"/>
-              <a:t>href</a:t>
-            </a:r>
-            <a:r>
-              <a:rPr lang="en-US" dirty="0" smtClean="0"/>
-              <a:t>="#create-head-section" class="</a:t>
-            </a:r>
-            <a:r>
-              <a:rPr lang="en-US" dirty="0" err="1" smtClean="0"/>
-              <a:t>nav</a:t>
-            </a:r>
-            <a:r>
-              <a:rPr lang="en-US" dirty="0" smtClean="0"/>
-              <a:t>-link"&gt;Create&lt;/a&gt;&lt;/li&gt;    </a:t>
-            </a:r>
-          </a:p>
-          <a:p>
-            <a:pPr lvl="3"/>
-            <a:r>
-              <a:rPr lang="en-US" dirty="0" smtClean="0"/>
-              <a:t>                &lt;li class="</a:t>
-            </a:r>
-            <a:r>
-              <a:rPr lang="en-US" dirty="0" err="1" smtClean="0"/>
-              <a:t>nav</a:t>
-            </a:r>
-            <a:r>
-              <a:rPr lang="en-US" dirty="0" smtClean="0"/>
-              <a:t>-item"&gt;&lt;a </a:t>
-            </a:r>
-            <a:r>
-              <a:rPr lang="en-US" dirty="0" err="1" smtClean="0"/>
-              <a:t>href</a:t>
-            </a:r>
-            <a:r>
-              <a:rPr lang="en-US" dirty="0" smtClean="0"/>
-              <a:t>="#share-head-section" class="</a:t>
-            </a:r>
-            <a:r>
-              <a:rPr lang="en-US" dirty="0" err="1" smtClean="0"/>
-              <a:t>nav</a:t>
-            </a:r>
-            <a:r>
-              <a:rPr lang="en-US" dirty="0" smtClean="0"/>
-              <a:t>-link"&gt;Share&lt;/a&gt;&lt;/li&gt;    </a:t>
-            </a:r>
-          </a:p>
-          <a:p>
-            <a:r>
-              <a:rPr lang="en-US" dirty="0" smtClean="0"/>
-              <a:t>            &lt;/</a:t>
-            </a:r>
-            <a:r>
-              <a:rPr lang="en-US" dirty="0" err="1"/>
-              <a:t>ul</a:t>
-            </a:r>
-            <a:r>
-              <a:rPr lang="en-US" dirty="0"/>
-              <a:t>&gt; </a:t>
-            </a:r>
-            <a:endParaRPr lang="en-US" dirty="0" smtClean="0"/>
-          </a:p>
-          <a:p>
-            <a:r>
-              <a:rPr lang="en-US" dirty="0" smtClean="0"/>
-              <a:t>        &lt;/</a:t>
-            </a:r>
-            <a:r>
-              <a:rPr lang="en-US" dirty="0"/>
-              <a:t>div</a:t>
-            </a:r>
-            <a:r>
-              <a:rPr lang="en-US" dirty="0" smtClean="0"/>
-              <a:t>&gt;</a:t>
-            </a:r>
-          </a:p>
-          <a:p>
-            <a:r>
-              <a:rPr lang="en-US" smtClean="0"/>
-              <a:t>    &lt;/</a:t>
-            </a:r>
-            <a:r>
-              <a:rPr lang="en-US" dirty="0"/>
-              <a:t>div</a:t>
-            </a:r>
-            <a:r>
-              <a:rPr lang="en-US"/>
-              <a:t>&gt;    </a:t>
-            </a:r>
-            <a:endParaRPr lang="en-US" smtClean="0"/>
-          </a:p>
-          <a:p>
-            <a:r>
-              <a:rPr lang="en-US" smtClean="0"/>
-              <a:t>&lt;/</a:t>
-            </a:r>
-            <a:r>
-              <a:rPr lang="en-US" dirty="0" err="1"/>
-              <a:t>nav</a:t>
-            </a:r>
-            <a:r>
-              <a:rPr lang="en-US" dirty="0"/>
-              <a:t>&gt;</a:t>
-            </a:r>
-          </a:p>
-        </p:txBody>
-      </p:sp>
-    </p:spTree>
-    <p:extLst>
-      <p:ext uri="{BB962C8B-B14F-4D97-AF65-F5344CB8AC3E}">
-        <p14:creationId xmlns:p14="http://schemas.microsoft.com/office/powerpoint/2010/main" val="370725171"/>
       </p:ext>
     </p:extLst>
   </p:cSld>
@@ -12383,8 +12027,8 @@
         </p:nvSpPr>
         <p:spPr>
           <a:xfrm>
-            <a:off x="4155440" y="2357120"/>
-            <a:ext cx="1027845" cy="584775"/>
+            <a:off x="3525520" y="162560"/>
+            <a:ext cx="2222083" cy="400110"/>
           </a:xfrm>
           <a:prstGeom prst="rect">
             <a:avLst/>
@@ -12398,17 +12042,477 @@
           <a:lstStyle/>
           <a:p>
             <a:r>
-              <a:rPr lang="en-US" sz="3200" dirty="0" smtClean="0"/>
-              <a:t>Next</a:t>
-            </a:r>
-            <a:endParaRPr lang="en-US" sz="3200" dirty="0"/>
+              <a:rPr lang="en-US" sz="2000" b="1" dirty="0" err="1" smtClean="0"/>
+              <a:t>Membuat</a:t>
+            </a:r>
+            <a:r>
+              <a:rPr lang="en-US" sz="2000" b="1" dirty="0" smtClean="0"/>
+              <a:t> </a:t>
+            </a:r>
+            <a:r>
+              <a:rPr lang="en-US" sz="2000" b="1" dirty="0" err="1" smtClean="0"/>
+              <a:t>navbar</a:t>
+            </a:r>
+            <a:endParaRPr lang="en-US" sz="2000" b="1" dirty="0"/>
+          </a:p>
+        </p:txBody>
+      </p:sp>
+      <p:sp>
+        <p:nvSpPr>
+          <p:cNvPr id="4" name="Rectangle 3"/>
+          <p:cNvSpPr/>
+          <p:nvPr/>
+        </p:nvSpPr>
+        <p:spPr>
+          <a:xfrm>
+            <a:off x="254000" y="812800"/>
+            <a:ext cx="8483600" cy="3323987"/>
+          </a:xfrm>
+          <a:prstGeom prst="rect">
+            <a:avLst/>
+          </a:prstGeom>
+        </p:spPr>
+        <p:txBody>
+          <a:bodyPr wrap="square">
+            <a:spAutoFit/>
+          </a:bodyPr>
+          <a:lstStyle/>
+          <a:p>
+            <a:r>
+              <a:rPr lang="en-US" dirty="0"/>
+              <a:t>&lt;</a:t>
+            </a:r>
+            <a:r>
+              <a:rPr lang="en-US" dirty="0" err="1"/>
+              <a:t>nav</a:t>
+            </a:r>
+            <a:r>
+              <a:rPr lang="en-US" dirty="0"/>
+              <a:t> class="</a:t>
+            </a:r>
+            <a:r>
+              <a:rPr lang="en-US" dirty="0" err="1"/>
+              <a:t>navbar</a:t>
+            </a:r>
+            <a:r>
+              <a:rPr lang="en-US" dirty="0"/>
+              <a:t> </a:t>
+            </a:r>
+            <a:r>
+              <a:rPr lang="en-US" dirty="0" err="1"/>
+              <a:t>navbar</a:t>
+            </a:r>
+            <a:r>
+              <a:rPr lang="en-US" dirty="0"/>
+              <a:t>-expand-</a:t>
+            </a:r>
+            <a:r>
+              <a:rPr lang="en-US" dirty="0" err="1"/>
+              <a:t>sm</a:t>
+            </a:r>
+            <a:r>
+              <a:rPr lang="en-US" dirty="0"/>
+              <a:t> </a:t>
+            </a:r>
+            <a:r>
+              <a:rPr lang="en-US" dirty="0" err="1"/>
+              <a:t>bg</a:t>
+            </a:r>
+            <a:r>
+              <a:rPr lang="en-US" dirty="0"/>
+              <a:t>-dark </a:t>
+            </a:r>
+            <a:r>
+              <a:rPr lang="en-US" dirty="0" err="1"/>
+              <a:t>navbar</a:t>
+            </a:r>
+            <a:r>
+              <a:rPr lang="en-US" dirty="0"/>
+              <a:t>-dark fixed-top"&gt;  </a:t>
+            </a:r>
+            <a:endParaRPr lang="en-US" dirty="0" smtClean="0"/>
+          </a:p>
+          <a:p>
+            <a:r>
+              <a:rPr lang="en-US" dirty="0"/>
+              <a:t> </a:t>
+            </a:r>
+            <a:r>
+              <a:rPr lang="en-US" dirty="0" smtClean="0"/>
+              <a:t>   &lt;</a:t>
+            </a:r>
+            <a:r>
+              <a:rPr lang="en-US" dirty="0"/>
+              <a:t>div class="container"&gt;    </a:t>
+            </a:r>
+            <a:endParaRPr lang="en-US" dirty="0" smtClean="0"/>
+          </a:p>
+          <a:p>
+            <a:r>
+              <a:rPr lang="en-US" dirty="0"/>
+              <a:t> </a:t>
+            </a:r>
+            <a:r>
+              <a:rPr lang="en-US" dirty="0" smtClean="0"/>
+              <a:t>       &lt;</a:t>
+            </a:r>
+            <a:r>
+              <a:rPr lang="en-US" dirty="0"/>
+              <a:t>a </a:t>
+            </a:r>
+            <a:r>
+              <a:rPr lang="en-US" dirty="0" err="1"/>
+              <a:t>href</a:t>
+            </a:r>
+            <a:r>
+              <a:rPr lang="en-US" dirty="0"/>
+              <a:t>="</a:t>
+            </a:r>
+            <a:r>
+              <a:rPr lang="en-US" dirty="0" err="1"/>
+              <a:t>index.html</a:t>
+            </a:r>
+            <a:r>
+              <a:rPr lang="en-US" dirty="0"/>
+              <a:t>" class="</a:t>
+            </a:r>
+            <a:r>
+              <a:rPr lang="en-US" dirty="0" err="1"/>
+              <a:t>navbar</a:t>
+            </a:r>
+            <a:r>
+              <a:rPr lang="en-US" dirty="0"/>
+              <a:t>-brand"&gt;</a:t>
+            </a:r>
+            <a:r>
+              <a:rPr lang="en-US" dirty="0" err="1"/>
+              <a:t>MedioTheme</a:t>
+            </a:r>
+            <a:r>
+              <a:rPr lang="en-US" dirty="0"/>
+              <a:t>&lt;/a&gt;    		</a:t>
+            </a:r>
+            <a:endParaRPr lang="en-US" dirty="0" smtClean="0"/>
+          </a:p>
+          <a:p>
+            <a:r>
+              <a:rPr lang="en-US" dirty="0"/>
+              <a:t> </a:t>
+            </a:r>
+            <a:r>
+              <a:rPr lang="en-US" dirty="0" smtClean="0"/>
+              <a:t>       &lt;</a:t>
+            </a:r>
+            <a:r>
+              <a:rPr lang="en-US" dirty="0"/>
+              <a:t>button class="</a:t>
+            </a:r>
+            <a:r>
+              <a:rPr lang="en-US" dirty="0" err="1"/>
+              <a:t>navbar-toggler</a:t>
+            </a:r>
+            <a:r>
+              <a:rPr lang="en-US" dirty="0"/>
+              <a:t>" data-toggle="collapse" data-target="#</a:t>
+            </a:r>
+            <a:r>
+              <a:rPr lang="en-US" dirty="0" err="1"/>
+              <a:t>navbarCollapse</a:t>
+            </a:r>
+            <a:r>
+              <a:rPr lang="en-US" dirty="0"/>
+              <a:t>" &gt;   </a:t>
+            </a:r>
+            <a:r>
+              <a:rPr lang="en-US" dirty="0" smtClean="0"/>
+              <a:t/>
+            </a:r>
+            <a:br>
+              <a:rPr lang="en-US" dirty="0" smtClean="0"/>
+            </a:br>
+            <a:r>
+              <a:rPr lang="en-US" dirty="0" smtClean="0"/>
+              <a:t>        &lt;</a:t>
+            </a:r>
+            <a:r>
+              <a:rPr lang="en-US" dirty="0"/>
+              <a:t>span class="</a:t>
+            </a:r>
+            <a:r>
+              <a:rPr lang="en-US" dirty="0" err="1"/>
+              <a:t>navbar</a:t>
+            </a:r>
+            <a:r>
+              <a:rPr lang="en-US" dirty="0"/>
+              <a:t>-</a:t>
+            </a:r>
+            <a:r>
+              <a:rPr lang="en-US" dirty="0" err="1"/>
+              <a:t>toggler</a:t>
+            </a:r>
+            <a:r>
+              <a:rPr lang="en-US" dirty="0"/>
+              <a:t>-icon"&gt;&lt;/span</a:t>
+            </a:r>
+            <a:r>
+              <a:rPr lang="en-US" dirty="0" smtClean="0"/>
+              <a:t>&gt;&lt;/</a:t>
+            </a:r>
+            <a:r>
+              <a:rPr lang="en-US" dirty="0"/>
+              <a:t>button&gt;    		</a:t>
+            </a:r>
+            <a:endParaRPr lang="en-US" dirty="0" smtClean="0"/>
+          </a:p>
+          <a:p>
+            <a:r>
+              <a:rPr lang="en-US" dirty="0"/>
+              <a:t> </a:t>
+            </a:r>
+            <a:r>
+              <a:rPr lang="en-US" dirty="0" smtClean="0"/>
+              <a:t>       &lt;</a:t>
+            </a:r>
+            <a:r>
+              <a:rPr lang="en-US" dirty="0"/>
+              <a:t>div class="collapse </a:t>
+            </a:r>
+            <a:r>
+              <a:rPr lang="en-US" dirty="0" err="1"/>
+              <a:t>navbar</a:t>
+            </a:r>
+            <a:r>
+              <a:rPr lang="en-US" dirty="0"/>
+              <a:t>-collapse" id="</a:t>
+            </a:r>
+            <a:r>
+              <a:rPr lang="en-US" dirty="0" err="1"/>
+              <a:t>navbarCollapse</a:t>
+            </a:r>
+            <a:r>
+              <a:rPr lang="en-US" dirty="0"/>
+              <a:t>"&gt;    			</a:t>
+            </a:r>
+            <a:endParaRPr lang="en-US" dirty="0" smtClean="0"/>
+          </a:p>
+          <a:p>
+            <a:r>
+              <a:rPr lang="en-US" dirty="0"/>
+              <a:t> </a:t>
+            </a:r>
+            <a:r>
+              <a:rPr lang="en-US" dirty="0" smtClean="0"/>
+              <a:t>           &lt;</a:t>
+            </a:r>
+            <a:r>
+              <a:rPr lang="en-US" dirty="0" err="1"/>
+              <a:t>ul</a:t>
+            </a:r>
+            <a:r>
+              <a:rPr lang="en-US" dirty="0"/>
+              <a:t> class="</a:t>
+            </a:r>
+            <a:r>
+              <a:rPr lang="en-US" dirty="0" err="1"/>
+              <a:t>navbar-nav</a:t>
+            </a:r>
+            <a:r>
+              <a:rPr lang="en-US" dirty="0"/>
+              <a:t> ml-auto</a:t>
+            </a:r>
+            <a:r>
+              <a:rPr lang="en-US" dirty="0" smtClean="0"/>
+              <a:t>"&gt;</a:t>
+            </a:r>
+          </a:p>
+          <a:p>
+            <a:pPr lvl="3"/>
+            <a:r>
+              <a:rPr lang="en-US" dirty="0" smtClean="0"/>
+              <a:t>                &lt;li class="</a:t>
+            </a:r>
+            <a:r>
+              <a:rPr lang="en-US" dirty="0" err="1" smtClean="0"/>
+              <a:t>nav</a:t>
+            </a:r>
+            <a:r>
+              <a:rPr lang="en-US" dirty="0" smtClean="0"/>
+              <a:t>-item"&gt;&lt;a </a:t>
+            </a:r>
+            <a:r>
+              <a:rPr lang="en-US" dirty="0" err="1" smtClean="0"/>
+              <a:t>href</a:t>
+            </a:r>
+            <a:r>
+              <a:rPr lang="en-US" dirty="0" smtClean="0"/>
+              <a:t>="#home" class="</a:t>
+            </a:r>
+            <a:r>
+              <a:rPr lang="en-US" dirty="0" err="1" smtClean="0"/>
+              <a:t>nav</a:t>
+            </a:r>
+            <a:r>
+              <a:rPr lang="en-US" dirty="0" smtClean="0"/>
+              <a:t>-link"&gt;Home&lt;/a&gt;&lt;/li&gt;    		</a:t>
+            </a:r>
+          </a:p>
+          <a:p>
+            <a:pPr lvl="3"/>
+            <a:r>
+              <a:rPr lang="en-US" dirty="0" smtClean="0"/>
+              <a:t>                &lt;li class="</a:t>
+            </a:r>
+            <a:r>
+              <a:rPr lang="en-US" dirty="0" err="1" smtClean="0"/>
+              <a:t>nav</a:t>
+            </a:r>
+            <a:r>
+              <a:rPr lang="en-US" dirty="0" smtClean="0"/>
+              <a:t>-item"&gt;&lt;a </a:t>
+            </a:r>
+            <a:r>
+              <a:rPr lang="en-US" dirty="0" err="1" smtClean="0"/>
+              <a:t>href</a:t>
+            </a:r>
+            <a:r>
+              <a:rPr lang="en-US" dirty="0" smtClean="0"/>
+              <a:t>="#explore-head-section" class="</a:t>
+            </a:r>
+            <a:r>
+              <a:rPr lang="en-US" dirty="0" err="1" smtClean="0"/>
+              <a:t>nav</a:t>
+            </a:r>
+            <a:r>
+              <a:rPr lang="en-US" dirty="0" smtClean="0"/>
+              <a:t>-link"&gt;Explore&lt;/a&gt;&lt;/li&gt;    </a:t>
+            </a:r>
+          </a:p>
+          <a:p>
+            <a:pPr lvl="3"/>
+            <a:r>
+              <a:rPr lang="en-US" dirty="0" smtClean="0"/>
+              <a:t>                &lt;li class="</a:t>
+            </a:r>
+            <a:r>
+              <a:rPr lang="en-US" dirty="0" err="1" smtClean="0"/>
+              <a:t>nav</a:t>
+            </a:r>
+            <a:r>
+              <a:rPr lang="en-US" dirty="0" smtClean="0"/>
+              <a:t>-item"&gt;&lt;a </a:t>
+            </a:r>
+            <a:r>
+              <a:rPr lang="en-US" dirty="0" err="1" smtClean="0"/>
+              <a:t>href</a:t>
+            </a:r>
+            <a:r>
+              <a:rPr lang="en-US" dirty="0" smtClean="0"/>
+              <a:t>="#create-head-section" class="</a:t>
+            </a:r>
+            <a:r>
+              <a:rPr lang="en-US" dirty="0" err="1" smtClean="0"/>
+              <a:t>nav</a:t>
+            </a:r>
+            <a:r>
+              <a:rPr lang="en-US" dirty="0" smtClean="0"/>
+              <a:t>-link"&gt;Create&lt;/a&gt;&lt;/li&gt;    </a:t>
+            </a:r>
+          </a:p>
+          <a:p>
+            <a:pPr lvl="3"/>
+            <a:r>
+              <a:rPr lang="en-US" dirty="0" smtClean="0"/>
+              <a:t>                &lt;li class="</a:t>
+            </a:r>
+            <a:r>
+              <a:rPr lang="en-US" dirty="0" err="1" smtClean="0"/>
+              <a:t>nav</a:t>
+            </a:r>
+            <a:r>
+              <a:rPr lang="en-US" dirty="0" smtClean="0"/>
+              <a:t>-item"&gt;&lt;a </a:t>
+            </a:r>
+            <a:r>
+              <a:rPr lang="en-US" dirty="0" err="1" smtClean="0"/>
+              <a:t>href</a:t>
+            </a:r>
+            <a:r>
+              <a:rPr lang="en-US" dirty="0" smtClean="0"/>
+              <a:t>="#share-head-section" class="</a:t>
+            </a:r>
+            <a:r>
+              <a:rPr lang="en-US" dirty="0" err="1" smtClean="0"/>
+              <a:t>nav</a:t>
+            </a:r>
+            <a:r>
+              <a:rPr lang="en-US" dirty="0" smtClean="0"/>
+              <a:t>-link"&gt;Share&lt;/a&gt;&lt;/li&gt;    </a:t>
+            </a:r>
+          </a:p>
+          <a:p>
+            <a:r>
+              <a:rPr lang="en-US" dirty="0" smtClean="0"/>
+              <a:t>            &lt;/</a:t>
+            </a:r>
+            <a:r>
+              <a:rPr lang="en-US" dirty="0" err="1"/>
+              <a:t>ul</a:t>
+            </a:r>
+            <a:r>
+              <a:rPr lang="en-US" dirty="0"/>
+              <a:t>&gt; </a:t>
+            </a:r>
+            <a:endParaRPr lang="en-US" dirty="0" smtClean="0"/>
+          </a:p>
+          <a:p>
+            <a:r>
+              <a:rPr lang="en-US" dirty="0" smtClean="0"/>
+              <a:t>        &lt;/</a:t>
+            </a:r>
+            <a:r>
+              <a:rPr lang="en-US" dirty="0"/>
+              <a:t>div</a:t>
+            </a:r>
+            <a:r>
+              <a:rPr lang="en-US" dirty="0" smtClean="0"/>
+              <a:t>&gt;</a:t>
+            </a:r>
+          </a:p>
+          <a:p>
+            <a:r>
+              <a:rPr lang="en-US" smtClean="0"/>
+              <a:t>    &lt;/</a:t>
+            </a:r>
+            <a:r>
+              <a:rPr lang="en-US" dirty="0"/>
+              <a:t>div</a:t>
+            </a:r>
+            <a:r>
+              <a:rPr lang="en-US"/>
+              <a:t>&gt;    </a:t>
+            </a:r>
+            <a:endParaRPr lang="en-US" smtClean="0"/>
+          </a:p>
+          <a:p>
+            <a:r>
+              <a:rPr lang="en-US" smtClean="0"/>
+              <a:t>&lt;/</a:t>
+            </a:r>
+            <a:r>
+              <a:rPr lang="en-US" dirty="0" err="1"/>
+              <a:t>nav</a:t>
+            </a:r>
+            <a:r>
+              <a:rPr lang="en-US" dirty="0"/>
+              <a:t>&gt;</a:t>
+            </a:r>
           </a:p>
         </p:txBody>
       </p:sp>
     </p:spTree>
     <p:extLst>
       <p:ext uri="{BB962C8B-B14F-4D97-AF65-F5344CB8AC3E}">
-        <p14:creationId xmlns:p14="http://schemas.microsoft.com/office/powerpoint/2010/main" val="885761853"/>
+        <p14:creationId xmlns:p14="http://schemas.microsoft.com/office/powerpoint/2010/main" val="370725171"/>
       </p:ext>
     </p:extLst>
   </p:cSld>
@@ -12444,257 +12548,38 @@
       </p:grpSpPr>
       <p:sp>
         <p:nvSpPr>
-          <p:cNvPr id="2" name="Title 1"/>
-          <p:cNvSpPr>
-            <a:spLocks noGrp="1"/>
-          </p:cNvSpPr>
-          <p:nvPr>
-            <p:ph type="title"/>
-          </p:nvPr>
+          <p:cNvPr id="2" name="TextBox 1"/>
+          <p:cNvSpPr txBox="1"/>
+          <p:nvPr/>
         </p:nvSpPr>
         <p:spPr>
           <a:xfrm>
-            <a:off x="311700" y="264401"/>
-            <a:ext cx="8520600" cy="572700"/>
+            <a:off x="4155440" y="2357120"/>
+            <a:ext cx="1027845" cy="584775"/>
           </a:xfrm>
-          <a:solidFill>
-            <a:schemeClr val="accent5"/>
-          </a:solidFill>
-          <a:ln w="38100">
-            <a:solidFill>
-              <a:srgbClr val="FF0000"/>
-            </a:solidFill>
-          </a:ln>
+          <a:prstGeom prst="rect">
+            <a:avLst/>
+          </a:prstGeom>
+          <a:noFill/>
         </p:spPr>
         <p:txBody>
-          <a:bodyPr/>
+          <a:bodyPr wrap="none" rtlCol="0">
+            <a:spAutoFit/>
+          </a:bodyPr>
           <a:lstStyle/>
           <a:p>
             <a:r>
-              <a:rPr lang="en-US" dirty="0" smtClean="0">
-                <a:solidFill>
-                  <a:schemeClr val="bg1"/>
-                </a:solidFill>
-              </a:rPr>
-              <a:t>Deployment </a:t>
-            </a:r>
-            <a:r>
-              <a:rPr lang="en-US" dirty="0" err="1" smtClean="0">
-                <a:solidFill>
-                  <a:schemeClr val="bg1"/>
-                </a:solidFill>
-              </a:rPr>
-              <a:t>dengan</a:t>
-            </a:r>
-            <a:r>
-              <a:rPr lang="en-US" dirty="0" smtClean="0">
-                <a:solidFill>
-                  <a:schemeClr val="bg1"/>
-                </a:solidFill>
-              </a:rPr>
-              <a:t> </a:t>
-            </a:r>
-            <a:r>
-              <a:rPr lang="en-US" dirty="0" err="1" smtClean="0">
-                <a:solidFill>
-                  <a:schemeClr val="bg1"/>
-                </a:solidFill>
-              </a:rPr>
-              <a:t>Heroku.com</a:t>
-            </a:r>
-            <a:endParaRPr lang="en-US" dirty="0">
-              <a:solidFill>
-                <a:schemeClr val="bg1"/>
-              </a:solidFill>
-            </a:endParaRPr>
-          </a:p>
-        </p:txBody>
-      </p:sp>
-      <p:sp>
-        <p:nvSpPr>
-          <p:cNvPr id="3" name="Text Placeholder 2"/>
-          <p:cNvSpPr>
-            <a:spLocks noGrp="1"/>
-          </p:cNvSpPr>
-          <p:nvPr>
-            <p:ph type="body" idx="1"/>
-          </p:nvPr>
-        </p:nvSpPr>
-        <p:spPr>
-          <a:xfrm>
-            <a:off x="311700" y="959556"/>
-            <a:ext cx="8520600" cy="3996266"/>
-          </a:xfrm>
-          <a:ln w="38100">
-            <a:solidFill>
-              <a:srgbClr val="FF0000"/>
-            </a:solidFill>
-          </a:ln>
-        </p:spPr>
-        <p:txBody>
-          <a:bodyPr/>
-          <a:lstStyle/>
-          <a:p>
-            <a:r>
-              <a:rPr lang="en-US" dirty="0" smtClean="0"/>
-              <a:t> Install </a:t>
-            </a:r>
-            <a:r>
-              <a:rPr lang="en-US" dirty="0" err="1" smtClean="0"/>
-              <a:t>git</a:t>
-            </a:r>
-            <a:endParaRPr lang="en-US" dirty="0"/>
-          </a:p>
-          <a:p>
-            <a:r>
-              <a:rPr lang="en-US" dirty="0" smtClean="0"/>
-              <a:t> </a:t>
-            </a:r>
-            <a:r>
-              <a:rPr lang="en-US" dirty="0" err="1" smtClean="0"/>
-              <a:t>Heroku</a:t>
-            </a:r>
-            <a:r>
-              <a:rPr lang="en-US" dirty="0" smtClean="0"/>
-              <a:t> </a:t>
-            </a:r>
-            <a:r>
-              <a:rPr lang="en-US" dirty="0"/>
-              <a:t>Account – </a:t>
-            </a:r>
-            <a:r>
-              <a:rPr lang="en-US" dirty="0">
-                <a:hlinkClick r:id="rId2"/>
-              </a:rPr>
-              <a:t>sign up here</a:t>
-            </a:r>
-            <a:endParaRPr lang="en-US" dirty="0"/>
-          </a:p>
-          <a:p>
-            <a:r>
-              <a:rPr lang="en-US" dirty="0" smtClean="0">
-                <a:hlinkClick r:id="rId3"/>
-              </a:rPr>
-              <a:t> Download Heroku </a:t>
-            </a:r>
-            <a:r>
-              <a:rPr lang="en-US" dirty="0">
-                <a:hlinkClick r:id="rId3"/>
-              </a:rPr>
-              <a:t>Toolbelt</a:t>
-            </a:r>
-            <a:r>
-              <a:rPr lang="en-US" dirty="0"/>
-              <a:t> </a:t>
-            </a:r>
-            <a:r>
-              <a:rPr lang="en-US" dirty="0" smtClean="0"/>
-              <a:t>– command </a:t>
-            </a:r>
-            <a:r>
-              <a:rPr lang="en-US" dirty="0"/>
-              <a:t>line application for managing </a:t>
-            </a:r>
-            <a:r>
-              <a:rPr lang="en-US" dirty="0" err="1" smtClean="0"/>
-              <a:t>Heroku</a:t>
-            </a:r>
-            <a:r>
-              <a:rPr lang="en-US" dirty="0" smtClean="0"/>
-              <a:t> account.</a:t>
-            </a:r>
-            <a:endParaRPr lang="en-US" dirty="0"/>
-          </a:p>
-          <a:p>
-            <a:r>
-              <a:rPr lang="en-US" dirty="0" smtClean="0"/>
-              <a:t> Run</a:t>
-            </a:r>
-            <a:r>
-              <a:rPr lang="en-US" dirty="0"/>
-              <a:t> </a:t>
-            </a:r>
-            <a:r>
-              <a:rPr lang="en-US" dirty="0" err="1"/>
-              <a:t>heroku</a:t>
-            </a:r>
-            <a:r>
-              <a:rPr lang="en-US" dirty="0"/>
-              <a:t> login </a:t>
-            </a:r>
-            <a:r>
-              <a:rPr lang="en-US" dirty="0" smtClean="0"/>
-              <a:t>from command prompt.</a:t>
-            </a:r>
-          </a:p>
-          <a:p>
-            <a:r>
-              <a:rPr lang="en-US" dirty="0"/>
-              <a:t> cd </a:t>
-            </a:r>
-            <a:r>
-              <a:rPr lang="en-US" dirty="0" smtClean="0"/>
-              <a:t>Projects/my-site.</a:t>
-            </a:r>
-            <a:r>
-              <a:rPr lang="en-US" dirty="0"/>
-              <a:t> Create an </a:t>
-            </a:r>
-            <a:r>
-              <a:rPr lang="en-US" dirty="0" err="1"/>
-              <a:t>index.php</a:t>
-            </a:r>
-            <a:r>
-              <a:rPr lang="en-US" dirty="0"/>
-              <a:t> file. </a:t>
-            </a:r>
-          </a:p>
-          <a:p>
-            <a:pPr>
-              <a:buNone/>
-            </a:pPr>
-            <a:r>
-              <a:rPr lang="en-US" dirty="0"/>
-              <a:t>*Trick </a:t>
-            </a:r>
-            <a:r>
-              <a:rPr lang="en-US" dirty="0" err="1"/>
-              <a:t>Heroku</a:t>
-            </a:r>
-            <a:r>
-              <a:rPr lang="en-US" dirty="0"/>
-              <a:t> to deploy a static </a:t>
-            </a:r>
-            <a:endParaRPr lang="en-US" dirty="0" smtClean="0"/>
-          </a:p>
-          <a:p>
-            <a:r>
-              <a:rPr lang="en-US" sz="1400" dirty="0" smtClean="0"/>
-              <a:t>site </a:t>
-            </a:r>
-            <a:r>
-              <a:rPr lang="en-US" sz="1400" dirty="0"/>
-              <a:t>by including </a:t>
-            </a:r>
-            <a:r>
-              <a:rPr lang="en-US" sz="1400" dirty="0" smtClean="0"/>
-              <a:t>1 dynamic </a:t>
-            </a:r>
-            <a:r>
-              <a:rPr lang="en-US" sz="1400" dirty="0"/>
-              <a:t>file</a:t>
-            </a:r>
-            <a:r>
-              <a:rPr lang="en-US" dirty="0"/>
-              <a:t>.</a:t>
-            </a:r>
+              <a:rPr lang="en-US" sz="3200" dirty="0" smtClean="0"/>
+              <a:t>Next</a:t>
+            </a:r>
+            <a:endParaRPr lang="en-US" sz="3200" dirty="0"/>
           </a:p>
         </p:txBody>
       </p:sp>
     </p:spTree>
     <p:extLst>
       <p:ext uri="{BB962C8B-B14F-4D97-AF65-F5344CB8AC3E}">
-        <p14:creationId xmlns:p14="http://schemas.microsoft.com/office/powerpoint/2010/main" val="401392970"/>
+        <p14:creationId xmlns:p14="http://schemas.microsoft.com/office/powerpoint/2010/main" val="885761853"/>
       </p:ext>
     </p:extLst>
   </p:cSld>
@@ -12739,9 +12624,16 @@
           </p:nvPr>
         </p:nvSpPr>
         <p:spPr>
+          <a:xfrm>
+            <a:off x="311700" y="264401"/>
+            <a:ext cx="8520600" cy="572700"/>
+          </a:xfrm>
+          <a:solidFill>
+            <a:schemeClr val="accent5"/>
+          </a:solidFill>
           <a:ln w="38100">
             <a:solidFill>
-              <a:srgbClr val="00B0F0"/>
+              <a:srgbClr val="FF0000"/>
             </a:solidFill>
           </a:ln>
         </p:spPr>
@@ -12750,10 +12642,42 @@
           <a:lstStyle/>
           <a:p>
             <a:r>
-              <a:rPr lang="en-US" dirty="0" smtClean="0"/>
-              <a:t>Deploy !</a:t>
-            </a:r>
-            <a:endParaRPr lang="en-US" dirty="0"/>
+              <a:rPr lang="en-US" dirty="0" smtClean="0">
+                <a:solidFill>
+                  <a:schemeClr val="bg1"/>
+                </a:solidFill>
+              </a:rPr>
+              <a:t>Deployment </a:t>
+            </a:r>
+            <a:r>
+              <a:rPr lang="en-US" dirty="0" err="1" smtClean="0">
+                <a:solidFill>
+                  <a:schemeClr val="bg1"/>
+                </a:solidFill>
+              </a:rPr>
+              <a:t>dengan</a:t>
+            </a:r>
+            <a:r>
+              <a:rPr lang="en-US" dirty="0" smtClean="0">
+                <a:solidFill>
+                  <a:schemeClr val="bg1"/>
+                </a:solidFill>
+              </a:rPr>
+              <a:t> </a:t>
+            </a:r>
+            <a:r>
+              <a:rPr lang="en-US" dirty="0" err="1" smtClean="0">
+                <a:solidFill>
+                  <a:schemeClr val="bg1"/>
+                </a:solidFill>
+              </a:rPr>
+              <a:t>Heroku.com</a:t>
+            </a:r>
+            <a:endParaRPr lang="en-US" dirty="0">
+              <a:solidFill>
+                <a:schemeClr val="bg1"/>
+              </a:solidFill>
+            </a:endParaRPr>
           </a:p>
         </p:txBody>
       </p:sp>
@@ -12769,12 +12693,12 @@
         </p:nvSpPr>
         <p:spPr>
           <a:xfrm>
-            <a:off x="311700" y="1152474"/>
-            <a:ext cx="8520600" cy="3815765"/>
+            <a:off x="311700" y="959556"/>
+            <a:ext cx="8520600" cy="3996266"/>
           </a:xfrm>
           <a:ln w="38100">
             <a:solidFill>
-              <a:srgbClr val="00B0F0"/>
+              <a:srgbClr val="FF0000"/>
             </a:solidFill>
           </a:ln>
         </p:spPr>
@@ -12782,325 +12706,166 @@
           <a:bodyPr/>
           <a:lstStyle/>
           <a:p>
-            <a:pPr lvl="0">
-              <a:lnSpc>
-                <a:spcPct val="100000"/>
-              </a:lnSpc>
-              <a:spcAft>
-                <a:spcPts val="0"/>
-              </a:spcAft>
-              <a:buClrTx/>
-              <a:buSzTx/>
-              <a:buNone/>
-            </a:pPr>
-            <a:r>
-              <a:rPr lang="en-US" dirty="0" err="1" smtClean="0"/>
-              <a:t>Index.php</a:t>
-            </a:r>
-            <a:r>
-              <a:rPr lang="en-US" dirty="0" smtClean="0"/>
-              <a:t> :</a:t>
-            </a:r>
-          </a:p>
-          <a:p>
-            <a:pPr lvl="0">
-              <a:lnSpc>
-                <a:spcPct val="100000"/>
-              </a:lnSpc>
-              <a:spcAft>
-                <a:spcPts val="0"/>
-              </a:spcAft>
-              <a:buClrTx/>
-              <a:buSzTx/>
-              <a:buNone/>
-            </a:pPr>
-            <a:endParaRPr lang="en-US" dirty="0" smtClean="0"/>
-          </a:p>
-          <a:p>
-            <a:pPr lvl="0">
-              <a:lnSpc>
-                <a:spcPct val="100000"/>
-              </a:lnSpc>
-              <a:spcAft>
-                <a:spcPts val="0"/>
-              </a:spcAft>
-              <a:buClrTx/>
-              <a:buSzTx/>
-              <a:buNone/>
-            </a:pPr>
-            <a:r>
-              <a:rPr lang="en-US" b="1" dirty="0" smtClean="0">
-                <a:solidFill>
-                  <a:srgbClr val="00B050"/>
-                </a:solidFill>
-              </a:rPr>
-              <a:t>&lt;?</a:t>
-            </a:r>
-            <a:r>
-              <a:rPr lang="en-US" b="1" dirty="0" err="1">
-                <a:solidFill>
-                  <a:srgbClr val="00B050"/>
-                </a:solidFill>
-              </a:rPr>
-              <a:t>php</a:t>
-            </a:r>
-            <a:r>
-              <a:rPr lang="en-US" b="1" dirty="0">
-                <a:solidFill>
-                  <a:srgbClr val="00B050"/>
-                </a:solidFill>
-              </a:rPr>
-              <a:t> header( 'Location: /</a:t>
-            </a:r>
-            <a:r>
-              <a:rPr lang="en-US" b="1" dirty="0" err="1">
-                <a:solidFill>
-                  <a:srgbClr val="00B050"/>
-                </a:solidFill>
-              </a:rPr>
-              <a:t>index.html</a:t>
-            </a:r>
-            <a:r>
-              <a:rPr lang="en-US" b="1" dirty="0">
-                <a:solidFill>
-                  <a:srgbClr val="00B050"/>
-                </a:solidFill>
-              </a:rPr>
-              <a:t>' ) ; </a:t>
-            </a:r>
-            <a:r>
-              <a:rPr lang="en-US" b="1" dirty="0" smtClean="0">
-                <a:solidFill>
-                  <a:srgbClr val="00B050"/>
-                </a:solidFill>
-              </a:rPr>
-              <a:t>?&gt;</a:t>
-            </a:r>
-          </a:p>
-          <a:p>
-            <a:pPr lvl="0">
-              <a:lnSpc>
-                <a:spcPct val="100000"/>
-              </a:lnSpc>
-              <a:spcAft>
-                <a:spcPts val="0"/>
-              </a:spcAft>
-              <a:buClrTx/>
-              <a:buSzTx/>
-              <a:buNone/>
-            </a:pPr>
-            <a:endParaRPr lang="en-US" dirty="0"/>
-          </a:p>
-          <a:p>
-            <a:pPr lvl="0">
-              <a:lnSpc>
-                <a:spcPct val="100000"/>
-              </a:lnSpc>
-              <a:spcAft>
-                <a:spcPts val="0"/>
-              </a:spcAft>
-              <a:buClrTx/>
-              <a:buSzTx/>
-              <a:buNone/>
-            </a:pPr>
-            <a:r>
-              <a:rPr lang="en-US" dirty="0" err="1"/>
-              <a:t>git</a:t>
-            </a:r>
-            <a:r>
-              <a:rPr lang="en-US" dirty="0"/>
-              <a:t> </a:t>
-            </a:r>
-            <a:r>
-              <a:rPr lang="en-US" dirty="0" err="1"/>
-              <a:t>init</a:t>
-            </a:r>
-            <a:r>
-              <a:rPr lang="en-US" dirty="0"/>
-              <a:t> </a:t>
-            </a:r>
-            <a:endParaRPr lang="en-US" dirty="0" smtClean="0"/>
-          </a:p>
-          <a:p>
-            <a:pPr lvl="0">
-              <a:lnSpc>
-                <a:spcPct val="100000"/>
-              </a:lnSpc>
-              <a:spcAft>
-                <a:spcPts val="0"/>
-              </a:spcAft>
-              <a:buClrTx/>
-              <a:buSzTx/>
-              <a:buNone/>
-            </a:pPr>
+            <a:r>
+              <a:rPr lang="en-US" dirty="0" smtClean="0"/>
+              <a:t> Install </a:t>
+            </a:r>
             <a:r>
               <a:rPr lang="en-US" dirty="0" err="1" smtClean="0"/>
               <a:t>git</a:t>
             </a:r>
+            <a:endParaRPr lang="en-US" dirty="0"/>
+          </a:p>
+          <a:p>
+            <a:r>
+              <a:rPr lang="en-US" dirty="0" smtClean="0"/>
+              <a:t> </a:t>
+            </a:r>
+            <a:r>
+              <a:rPr lang="en-US" dirty="0" err="1" smtClean="0"/>
+              <a:t>Heroku</a:t>
+            </a:r>
             <a:r>
               <a:rPr lang="en-US" dirty="0" smtClean="0"/>
               <a:t> </a:t>
             </a:r>
             <a:r>
               <a:rPr lang="en-US" dirty="0"/>
-              <a:t>add </a:t>
-            </a:r>
-            <a:r>
-              <a:rPr lang="en-US" dirty="0" smtClean="0"/>
-              <a:t>.</a:t>
-            </a:r>
-          </a:p>
-          <a:p>
-            <a:pPr lvl="0">
-              <a:lnSpc>
-                <a:spcPct val="100000"/>
-              </a:lnSpc>
-              <a:spcAft>
-                <a:spcPts val="0"/>
-              </a:spcAft>
-              <a:buClrTx/>
-              <a:buSzTx/>
-              <a:buNone/>
-            </a:pPr>
-            <a:r>
-              <a:rPr lang="en-US" dirty="0" err="1"/>
-              <a:t>git</a:t>
+              <a:t>Account – </a:t>
+            </a:r>
+            <a:r>
+              <a:rPr lang="en-US" dirty="0">
+                <a:hlinkClick r:id="rId2"/>
+              </a:rPr>
+              <a:t>sign up here</a:t>
+            </a:r>
+            <a:endParaRPr lang="en-US" dirty="0"/>
+          </a:p>
+          <a:p>
+            <a:r>
+              <a:rPr lang="en-US" dirty="0" smtClean="0">
+                <a:hlinkClick r:id="rId3"/>
+              </a:rPr>
+              <a:t> Download Heroku </a:t>
+            </a:r>
+            <a:r>
+              <a:rPr lang="en-US" dirty="0">
+                <a:hlinkClick r:id="rId3"/>
+              </a:rPr>
+              <a:t>Toolbelt</a:t>
             </a:r>
             <a:r>
               <a:rPr lang="en-US" dirty="0"/>
-              <a:t> commit -m "My site ready for deployment." </a:t>
-            </a:r>
-            <a:br>
+              <a:t> </a:t>
+            </a:r>
+            <a:r>
+              <a:rPr lang="en-US" dirty="0" smtClean="0"/>
+              <a:t>– command </a:t>
+            </a:r>
+            <a:r>
               <a:rPr lang="en-US" dirty="0"/>
-            </a:br>
+              <a:t>line application for managing </a:t>
+            </a:r>
+            <a:r>
+              <a:rPr lang="en-US" dirty="0" err="1" smtClean="0"/>
+              <a:t>Heroku</a:t>
+            </a:r>
+            <a:r>
+              <a:rPr lang="en-US" dirty="0" smtClean="0"/>
+              <a:t> account.</a:t>
+            </a:r>
+            <a:endParaRPr lang="en-US" dirty="0"/>
+          </a:p>
+          <a:p>
+            <a:r>
+              <a:rPr lang="en-US" dirty="0" smtClean="0"/>
+              <a:t> Run</a:t>
+            </a:r>
+            <a:r>
+              <a:rPr lang="en-US" dirty="0"/>
+              <a:t> </a:t>
+            </a:r>
             <a:r>
               <a:rPr lang="en-US" dirty="0" err="1"/>
               <a:t>heroku</a:t>
             </a:r>
             <a:r>
               <a:rPr lang="en-US" dirty="0"/>
-              <a:t> </a:t>
+              <a:t> login </a:t>
+            </a:r>
+            <a:r>
+              <a:rPr lang="en-US" dirty="0" smtClean="0"/>
+              <a:t>from command prompt.</a:t>
+            </a:r>
+          </a:p>
+          <a:p>
+            <a:r>
+              <a:rPr lang="en-US" dirty="0"/>
+              <a:t> cd </a:t>
+            </a:r>
+            <a:r>
+              <a:rPr lang="en-US" dirty="0" smtClean="0"/>
+              <a:t>Projects/my-site.</a:t>
+            </a:r>
+            <a:r>
+              <a:rPr lang="en-US" dirty="0"/>
+              <a:t> Create an </a:t>
             </a:r>
             <a:r>
               <a:rPr lang="en-US" dirty="0" err="1"/>
-              <a:t>apps:create</a:t>
+              <a:t>index.php</a:t>
             </a:r>
             <a:r>
               <a:rPr lang="en-US" dirty="0"/>
-              <a:t> </a:t>
-            </a:r>
-            <a:r>
-              <a:rPr lang="en-US" dirty="0" smtClean="0"/>
-              <a:t>my-site-example</a:t>
-            </a:r>
-          </a:p>
-          <a:p>
-            <a:pPr lvl="0">
-              <a:lnSpc>
-                <a:spcPct val="100000"/>
-              </a:lnSpc>
-              <a:spcAft>
-                <a:spcPts val="0"/>
-              </a:spcAft>
-              <a:buClrTx/>
-              <a:buSzTx/>
+              <a:t> file. </a:t>
+            </a:r>
+          </a:p>
+          <a:p>
+            <a:pPr>
               <a:buNone/>
             </a:pPr>
             <a:r>
+              <a:rPr lang="en-US" dirty="0"/>
+              <a:t>*Trick </a:t>
+            </a:r>
+            <a:r>
               <a:rPr lang="en-US" dirty="0" err="1"/>
-              <a:t>git</a:t>
+              <a:t>Heroku</a:t>
             </a:r>
             <a:r>
               <a:rPr lang="en-US" dirty="0"/>
-              <a:t> push </a:t>
-            </a:r>
-            <a:r>
-              <a:rPr lang="en-US" dirty="0" err="1"/>
-              <a:t>heroku</a:t>
+              <a:t> to deploy a static </a:t>
+            </a:r>
+            <a:endParaRPr lang="en-US" dirty="0" smtClean="0"/>
+          </a:p>
+          <a:p>
+            <a:r>
+              <a:rPr lang="en-US" sz="1400" dirty="0" smtClean="0"/>
+              <a:t>site </a:t>
+            </a:r>
+            <a:r>
+              <a:rPr lang="en-US" sz="1400" dirty="0"/>
+              <a:t>by including </a:t>
+            </a:r>
+            <a:r>
+              <a:rPr lang="en-US" sz="1400" dirty="0" smtClean="0"/>
+              <a:t>1 dynamic </a:t>
+            </a:r>
+            <a:r>
+              <a:rPr lang="en-US" sz="1400" dirty="0"/>
+              <a:t>file</a:t>
             </a:r>
             <a:r>
               <a:rPr lang="en-US" dirty="0"/>
-              <a:t> </a:t>
-            </a:r>
-            <a:r>
-              <a:rPr lang="en-US" dirty="0" smtClean="0"/>
-              <a:t>master</a:t>
-            </a:r>
-          </a:p>
-          <a:p>
-            <a:pPr lvl="0">
-              <a:lnSpc>
-                <a:spcPct val="100000"/>
-              </a:lnSpc>
-              <a:spcAft>
-                <a:spcPts val="0"/>
-              </a:spcAft>
-              <a:buClrTx/>
-              <a:buSzTx/>
-              <a:buNone/>
-            </a:pPr>
-            <a:endParaRPr lang="en-US" dirty="0" smtClean="0"/>
-          </a:p>
-          <a:p>
-            <a:pPr lvl="0">
-              <a:lnSpc>
-                <a:spcPct val="100000"/>
-              </a:lnSpc>
-              <a:spcAft>
-                <a:spcPts val="0"/>
-              </a:spcAft>
-              <a:buClrTx/>
-              <a:buSzTx/>
-              <a:buNone/>
-            </a:pPr>
-            <a:r>
-              <a:rPr lang="en-US" dirty="0"/>
-              <a:t>“remote: Verifying deploy…. done.”</a:t>
-            </a:r>
-            <a:r>
-              <a:rPr lang="en-US" dirty="0" smtClean="0"/>
-              <a:t> </a:t>
-            </a:r>
-          </a:p>
-          <a:p>
-            <a:pPr lvl="0">
-              <a:lnSpc>
-                <a:spcPct val="100000"/>
-              </a:lnSpc>
-              <a:spcAft>
-                <a:spcPts val="0"/>
-              </a:spcAft>
-              <a:buClrTx/>
-              <a:buSzTx/>
-              <a:buNone/>
-            </a:pPr>
-            <a:r>
-              <a:rPr lang="en-US" dirty="0" err="1"/>
-              <a:t>h</a:t>
-            </a:r>
-            <a:r>
-              <a:rPr lang="en-US" dirty="0" err="1" smtClean="0"/>
-              <a:t>eroku</a:t>
-            </a:r>
-            <a:r>
-              <a:rPr lang="en-US" dirty="0" smtClean="0"/>
-              <a:t> open</a:t>
-            </a:r>
-            <a:r>
-              <a:rPr lang="en-US" dirty="0"/>
-              <a:t/>
-            </a:r>
-            <a:br>
-              <a:rPr lang="en-US" dirty="0"/>
-            </a:br>
-            <a:endParaRPr lang="en-US" dirty="0"/>
+              <a:t>.</a:t>
+            </a:r>
           </a:p>
         </p:txBody>
       </p:sp>
     </p:spTree>
     <p:extLst>
       <p:ext uri="{BB962C8B-B14F-4D97-AF65-F5344CB8AC3E}">
-        <p14:creationId xmlns:p14="http://schemas.microsoft.com/office/powerpoint/2010/main" val="1899836949"/>
+        <p14:creationId xmlns:p14="http://schemas.microsoft.com/office/powerpoint/2010/main" val="401392970"/>
       </p:ext>
     </p:extLst>
   </p:cSld>
@@ -13136,38 +12901,377 @@
       </p:grpSpPr>
       <p:sp>
         <p:nvSpPr>
-          <p:cNvPr id="2" name="TextBox 1"/>
-          <p:cNvSpPr txBox="1"/>
-          <p:nvPr/>
+          <p:cNvPr id="2" name="Title 1"/>
+          <p:cNvSpPr>
+            <a:spLocks noGrp="1"/>
+          </p:cNvSpPr>
+          <p:nvPr>
+            <p:ph type="title"/>
+          </p:nvPr>
+        </p:nvSpPr>
+        <p:spPr>
+          <a:ln w="38100">
+            <a:solidFill>
+              <a:srgbClr val="00B0F0"/>
+            </a:solidFill>
+          </a:ln>
+        </p:spPr>
+        <p:txBody>
+          <a:bodyPr/>
+          <a:lstStyle/>
+          <a:p>
+            <a:r>
+              <a:rPr lang="en-US" dirty="0" smtClean="0"/>
+              <a:t>Deploy !</a:t>
+            </a:r>
+            <a:endParaRPr lang="en-US" dirty="0"/>
+          </a:p>
+        </p:txBody>
+      </p:sp>
+      <p:sp>
+        <p:nvSpPr>
+          <p:cNvPr id="3" name="Text Placeholder 2"/>
+          <p:cNvSpPr>
+            <a:spLocks noGrp="1"/>
+          </p:cNvSpPr>
+          <p:nvPr>
+            <p:ph type="body" idx="1"/>
+          </p:nvPr>
         </p:nvSpPr>
         <p:spPr>
           <a:xfrm>
-            <a:off x="4155440" y="2357120"/>
-            <a:ext cx="1027845" cy="584775"/>
+            <a:off x="311700" y="1152474"/>
+            <a:ext cx="8520600" cy="3815765"/>
           </a:xfrm>
-          <a:prstGeom prst="rect">
-            <a:avLst/>
-          </a:prstGeom>
-          <a:noFill/>
+          <a:ln w="38100">
+            <a:solidFill>
+              <a:srgbClr val="00B0F0"/>
+            </a:solidFill>
+          </a:ln>
         </p:spPr>
         <p:txBody>
-          <a:bodyPr wrap="none" rtlCol="0">
-            <a:spAutoFit/>
-          </a:bodyPr>
+          <a:bodyPr/>
           <a:lstStyle/>
           <a:p>
-            <a:r>
-              <a:rPr lang="en-US" sz="3200" dirty="0" smtClean="0"/>
-              <a:t>Next</a:t>
-            </a:r>
-            <a:endParaRPr lang="en-US" sz="3200" dirty="0"/>
+            <a:pPr lvl="0">
+              <a:lnSpc>
+                <a:spcPct val="100000"/>
+              </a:lnSpc>
+              <a:spcAft>
+                <a:spcPts val="0"/>
+              </a:spcAft>
+              <a:buClrTx/>
+              <a:buSzTx/>
+              <a:buNone/>
+            </a:pPr>
+            <a:r>
+              <a:rPr lang="en-US" dirty="0" err="1" smtClean="0"/>
+              <a:t>Index.php</a:t>
+            </a:r>
+            <a:r>
+              <a:rPr lang="en-US" dirty="0" smtClean="0"/>
+              <a:t> :</a:t>
+            </a:r>
+          </a:p>
+          <a:p>
+            <a:pPr lvl="0">
+              <a:lnSpc>
+                <a:spcPct val="100000"/>
+              </a:lnSpc>
+              <a:spcAft>
+                <a:spcPts val="0"/>
+              </a:spcAft>
+              <a:buClrTx/>
+              <a:buSzTx/>
+              <a:buNone/>
+            </a:pPr>
+            <a:endParaRPr lang="en-US" dirty="0" smtClean="0"/>
+          </a:p>
+          <a:p>
+            <a:pPr lvl="0">
+              <a:lnSpc>
+                <a:spcPct val="100000"/>
+              </a:lnSpc>
+              <a:spcAft>
+                <a:spcPts val="0"/>
+              </a:spcAft>
+              <a:buClrTx/>
+              <a:buSzTx/>
+              <a:buNone/>
+            </a:pPr>
+            <a:r>
+              <a:rPr lang="en-US" b="1" dirty="0" smtClean="0">
+                <a:solidFill>
+                  <a:srgbClr val="00B050"/>
+                </a:solidFill>
+              </a:rPr>
+              <a:t>&lt;?</a:t>
+            </a:r>
+            <a:r>
+              <a:rPr lang="en-US" b="1" dirty="0" err="1">
+                <a:solidFill>
+                  <a:srgbClr val="00B050"/>
+                </a:solidFill>
+              </a:rPr>
+              <a:t>php</a:t>
+            </a:r>
+            <a:r>
+              <a:rPr lang="en-US" b="1" dirty="0">
+                <a:solidFill>
+                  <a:srgbClr val="00B050"/>
+                </a:solidFill>
+              </a:rPr>
+              <a:t> header( 'Location: /</a:t>
+            </a:r>
+            <a:r>
+              <a:rPr lang="en-US" b="1" dirty="0" err="1">
+                <a:solidFill>
+                  <a:srgbClr val="00B050"/>
+                </a:solidFill>
+              </a:rPr>
+              <a:t>index.html</a:t>
+            </a:r>
+            <a:r>
+              <a:rPr lang="en-US" b="1" dirty="0">
+                <a:solidFill>
+                  <a:srgbClr val="00B050"/>
+                </a:solidFill>
+              </a:rPr>
+              <a:t>' ) ; </a:t>
+            </a:r>
+            <a:r>
+              <a:rPr lang="en-US" b="1" dirty="0" smtClean="0">
+                <a:solidFill>
+                  <a:srgbClr val="00B050"/>
+                </a:solidFill>
+              </a:rPr>
+              <a:t>?&gt;</a:t>
+            </a:r>
+          </a:p>
+          <a:p>
+            <a:pPr lvl="0">
+              <a:lnSpc>
+                <a:spcPct val="100000"/>
+              </a:lnSpc>
+              <a:spcAft>
+                <a:spcPts val="0"/>
+              </a:spcAft>
+              <a:buClrTx/>
+              <a:buSzTx/>
+              <a:buNone/>
+            </a:pPr>
+            <a:endParaRPr lang="en-US" dirty="0"/>
+          </a:p>
+          <a:p>
+            <a:pPr lvl="0">
+              <a:lnSpc>
+                <a:spcPct val="100000"/>
+              </a:lnSpc>
+              <a:spcAft>
+                <a:spcPts val="0"/>
+              </a:spcAft>
+              <a:buClrTx/>
+              <a:buSzTx/>
+              <a:buNone/>
+            </a:pPr>
+            <a:r>
+              <a:rPr lang="en-US" dirty="0" err="1"/>
+              <a:t>git</a:t>
+            </a:r>
+            <a:r>
+              <a:rPr lang="en-US" dirty="0"/>
+              <a:t> </a:t>
+            </a:r>
+            <a:r>
+              <a:rPr lang="en-US" dirty="0" err="1"/>
+              <a:t>init</a:t>
+            </a:r>
+            <a:r>
+              <a:rPr lang="en-US" dirty="0"/>
+              <a:t> </a:t>
+            </a:r>
+            <a:endParaRPr lang="en-US" dirty="0" smtClean="0"/>
+          </a:p>
+          <a:p>
+            <a:pPr lvl="0">
+              <a:lnSpc>
+                <a:spcPct val="100000"/>
+              </a:lnSpc>
+              <a:spcAft>
+                <a:spcPts val="0"/>
+              </a:spcAft>
+              <a:buClrTx/>
+              <a:buSzTx/>
+              <a:buNone/>
+            </a:pPr>
+            <a:r>
+              <a:rPr lang="en-US" dirty="0" err="1" smtClean="0"/>
+              <a:t>git</a:t>
+            </a:r>
+            <a:r>
+              <a:rPr lang="en-US" dirty="0" smtClean="0"/>
+              <a:t> </a:t>
+            </a:r>
+            <a:r>
+              <a:rPr lang="en-US" dirty="0"/>
+              <a:t>add </a:t>
+            </a:r>
+            <a:r>
+              <a:rPr lang="en-US" dirty="0" smtClean="0"/>
+              <a:t>.</a:t>
+            </a:r>
+          </a:p>
+          <a:p>
+            <a:pPr lvl="0">
+              <a:lnSpc>
+                <a:spcPct val="100000"/>
+              </a:lnSpc>
+              <a:spcAft>
+                <a:spcPts val="0"/>
+              </a:spcAft>
+              <a:buClrTx/>
+              <a:buSzTx/>
+              <a:buNone/>
+            </a:pPr>
+            <a:r>
+              <a:rPr lang="en-US" dirty="0" err="1"/>
+              <a:t>git</a:t>
+            </a:r>
+            <a:r>
+              <a:rPr lang="en-US" dirty="0"/>
+              <a:t> commit -m "My site ready for deployment." </a:t>
+            </a:r>
+            <a:br>
+              <a:rPr lang="en-US" dirty="0"/>
+            </a:br>
+            <a:r>
+              <a:rPr lang="en-US" dirty="0" err="1"/>
+              <a:t>heroku</a:t>
+            </a:r>
+            <a:r>
+              <a:rPr lang="en-US" dirty="0"/>
+              <a:t> </a:t>
+            </a:r>
+            <a:r>
+              <a:rPr lang="en-US" dirty="0" err="1"/>
+              <a:t>apps:create</a:t>
+            </a:r>
+            <a:r>
+              <a:rPr lang="en-US" dirty="0"/>
+              <a:t> </a:t>
+            </a:r>
+            <a:r>
+              <a:rPr lang="en-US" dirty="0" smtClean="0"/>
+              <a:t>my-site-example</a:t>
+            </a:r>
+          </a:p>
+          <a:p>
+            <a:pPr lvl="0">
+              <a:lnSpc>
+                <a:spcPct val="100000"/>
+              </a:lnSpc>
+              <a:spcAft>
+                <a:spcPts val="0"/>
+              </a:spcAft>
+              <a:buClrTx/>
+              <a:buSzTx/>
+              <a:buNone/>
+            </a:pPr>
+            <a:r>
+              <a:rPr lang="en-US" dirty="0" err="1"/>
+              <a:t>git</a:t>
+            </a:r>
+            <a:r>
+              <a:rPr lang="en-US" dirty="0"/>
+              <a:t> push </a:t>
+            </a:r>
+            <a:r>
+              <a:rPr lang="en-US" dirty="0" err="1"/>
+              <a:t>heroku</a:t>
+            </a:r>
+            <a:r>
+              <a:rPr lang="en-US" dirty="0"/>
+              <a:t> </a:t>
+            </a:r>
+            <a:r>
+              <a:rPr lang="en-US" dirty="0" smtClean="0"/>
+              <a:t>master</a:t>
+            </a:r>
+          </a:p>
+          <a:p>
+            <a:pPr lvl="0">
+              <a:lnSpc>
+                <a:spcPct val="100000"/>
+              </a:lnSpc>
+              <a:spcAft>
+                <a:spcPts val="0"/>
+              </a:spcAft>
+              <a:buClrTx/>
+              <a:buSzTx/>
+              <a:buNone/>
+            </a:pPr>
+            <a:endParaRPr lang="en-US" dirty="0" smtClean="0"/>
+          </a:p>
+          <a:p>
+            <a:pPr lvl="0">
+              <a:lnSpc>
+                <a:spcPct val="100000"/>
+              </a:lnSpc>
+              <a:spcAft>
+                <a:spcPts val="0"/>
+              </a:spcAft>
+              <a:buClrTx/>
+              <a:buSzTx/>
+              <a:buNone/>
+            </a:pPr>
+            <a:r>
+              <a:rPr lang="en-US" dirty="0"/>
+              <a:t>“remote: Verifying deploy…. done.”</a:t>
+            </a:r>
+            <a:r>
+              <a:rPr lang="en-US" dirty="0" smtClean="0"/>
+              <a:t> </a:t>
+            </a:r>
+          </a:p>
+          <a:p>
+            <a:pPr lvl="0">
+              <a:lnSpc>
+                <a:spcPct val="100000"/>
+              </a:lnSpc>
+              <a:spcAft>
+                <a:spcPts val="0"/>
+              </a:spcAft>
+              <a:buClrTx/>
+              <a:buSzTx/>
+              <a:buNone/>
+            </a:pPr>
+            <a:r>
+              <a:rPr lang="en-US" dirty="0" err="1"/>
+              <a:t>h</a:t>
+            </a:r>
+            <a:r>
+              <a:rPr lang="en-US" dirty="0" err="1" smtClean="0"/>
+              <a:t>eroku</a:t>
+            </a:r>
+            <a:r>
+              <a:rPr lang="en-US" dirty="0" smtClean="0"/>
+              <a:t> open</a:t>
+            </a:r>
+            <a:r>
+              <a:rPr lang="en-US" dirty="0"/>
+              <a:t/>
+            </a:r>
+            <a:br>
+              <a:rPr lang="en-US" dirty="0"/>
+            </a:br>
+            <a:endParaRPr lang="en-US" dirty="0"/>
           </a:p>
         </p:txBody>
       </p:sp>
     </p:spTree>
     <p:extLst>
       <p:ext uri="{BB962C8B-B14F-4D97-AF65-F5344CB8AC3E}">
-        <p14:creationId xmlns:p14="http://schemas.microsoft.com/office/powerpoint/2010/main" val="696073879"/>
+        <p14:creationId xmlns:p14="http://schemas.microsoft.com/office/powerpoint/2010/main" val="1899836949"/>
       </p:ext>
     </p:extLst>
   </p:cSld>
@@ -13869,6 +13973,73 @@
       </p:grpSpPr>
       <p:sp>
         <p:nvSpPr>
+          <p:cNvPr id="2" name="TextBox 1"/>
+          <p:cNvSpPr txBox="1"/>
+          <p:nvPr/>
+        </p:nvSpPr>
+        <p:spPr>
+          <a:xfrm>
+            <a:off x="4155440" y="2357120"/>
+            <a:ext cx="1027845" cy="584775"/>
+          </a:xfrm>
+          <a:prstGeom prst="rect">
+            <a:avLst/>
+          </a:prstGeom>
+          <a:noFill/>
+        </p:spPr>
+        <p:txBody>
+          <a:bodyPr wrap="none" rtlCol="0">
+            <a:spAutoFit/>
+          </a:bodyPr>
+          <a:lstStyle/>
+          <a:p>
+            <a:r>
+              <a:rPr lang="en-US" sz="3200" dirty="0" smtClean="0"/>
+              <a:t>Next</a:t>
+            </a:r>
+            <a:endParaRPr lang="en-US" sz="3200" dirty="0"/>
+          </a:p>
+        </p:txBody>
+      </p:sp>
+    </p:spTree>
+    <p:extLst>
+      <p:ext uri="{BB962C8B-B14F-4D97-AF65-F5344CB8AC3E}">
+        <p14:creationId xmlns:p14="http://schemas.microsoft.com/office/powerpoint/2010/main" val="696073879"/>
+      </p:ext>
+    </p:extLst>
+  </p:cSld>
+  <p:clrMapOvr>
+    <a:masterClrMapping/>
+  </p:clrMapOvr>
+  <p:timing>
+    <p:tnLst>
+      <p:par>
+        <p:cTn id="1" dur="indefinite" restart="never" nodeType="tmRoot"/>
+      </p:par>
+    </p:tnLst>
+  </p:timing>
+</p:sld>
+</file>
+
+<file path=ppt/slides/slide31.xml><?xml version="1.0" encoding="utf-8"?>
+<p:sld xmlns:a="http://schemas.openxmlformats.org/drawingml/2006/main" xmlns:r="http://schemas.openxmlformats.org/officeDocument/2006/relationships" xmlns:p="http://schemas.openxmlformats.org/presentationml/2006/main">
+  <p:cSld>
+    <p:spTree>
+      <p:nvGrpSpPr>
+        <p:cNvPr id="1" name=""/>
+        <p:cNvGrpSpPr/>
+        <p:nvPr/>
+      </p:nvGrpSpPr>
+      <p:grpSpPr>
+        <a:xfrm>
+          <a:off x="0" y="0"/>
+          <a:ext cx="0" cy="0"/>
+          <a:chOff x="0" y="0"/>
+          <a:chExt cx="0" cy="0"/>
+        </a:xfrm>
+      </p:grpSpPr>
+      <p:sp>
+        <p:nvSpPr>
           <p:cNvPr id="2" name="Title 1"/>
           <p:cNvSpPr>
             <a:spLocks noGrp="1"/>
@@ -14169,7 +14340,7 @@
 </p:sld>
 </file>
 
-<file path=ppt/slides/slide31.xml><?xml version="1.0" encoding="utf-8"?>
+<file path=ppt/slides/slide32.xml><?xml version="1.0" encoding="utf-8"?>
 <p:sld xmlns:a="http://schemas.openxmlformats.org/drawingml/2006/main" xmlns:r="http://schemas.openxmlformats.org/officeDocument/2006/relationships" xmlns:p="http://schemas.openxmlformats.org/presentationml/2006/main">
   <p:cSld>
     <p:spTree>
@@ -14307,7 +14478,7 @@
 </p:sld>
 </file>
 
-<file path=ppt/slides/slide32.xml><?xml version="1.0" encoding="utf-8"?>
+<file path=ppt/slides/slide33.xml><?xml version="1.0" encoding="utf-8"?>
 <p:sld xmlns:a="http://schemas.openxmlformats.org/drawingml/2006/main" xmlns:r="http://schemas.openxmlformats.org/officeDocument/2006/relationships" xmlns:p="http://schemas.openxmlformats.org/presentationml/2006/main">
   <p:cSld>
     <p:spTree>
@@ -14445,7 +14616,7 @@
 </p:sld>
 </file>
 
-<file path=ppt/slides/slide33.xml><?xml version="1.0" encoding="utf-8"?>
+<file path=ppt/slides/slide34.xml><?xml version="1.0" encoding="utf-8"?>
 <p:sld xmlns:a="http://schemas.openxmlformats.org/drawingml/2006/main" xmlns:r="http://schemas.openxmlformats.org/officeDocument/2006/relationships" xmlns:p="http://schemas.openxmlformats.org/presentationml/2006/main">
   <p:cSld>
     <p:spTree>
@@ -14558,7 +14729,7 @@
 </p:sld>
 </file>
 
-<file path=ppt/slides/slide34.xml><?xml version="1.0" encoding="utf-8"?>
+<file path=ppt/slides/slide35.xml><?xml version="1.0" encoding="utf-8"?>
 <p:sld xmlns:a="http://schemas.openxmlformats.org/drawingml/2006/main" xmlns:r="http://schemas.openxmlformats.org/officeDocument/2006/relationships" xmlns:p="http://schemas.openxmlformats.org/presentationml/2006/main">
   <p:cSld>
     <p:spTree>

--- a/Materi/5-FullStack Development Training.pptx
+++ b/Materi/5-FullStack Development Training.pptx
@@ -6044,6 +6044,13 @@
   <p:clrMapOvr>
     <a:masterClrMapping/>
   </p:clrMapOvr>
+  <p:timing>
+    <p:tnLst>
+      <p:par>
+        <p:cTn id="1" dur="indefinite" restart="never" nodeType="tmRoot"/>
+      </p:par>
+    </p:tnLst>
+  </p:timing>
 </p:sld>
 </file>
 
@@ -9508,7 +9515,15 @@
             </a:r>
             <a:r>
               <a:rPr lang="en-US" dirty="0" smtClean="0"/>
-              <a:t> commit “Initial commit” &gt; </a:t>
+              <a:t> </a:t>
+            </a:r>
+            <a:r>
+              <a:rPr lang="en-US" dirty="0" smtClean="0"/>
+              <a:t>commit -m </a:t>
+            </a:r>
+            <a:r>
+              <a:rPr lang="en-US" dirty="0" smtClean="0"/>
+              <a:t>“Initial commit” &gt; </a:t>
             </a:r>
             <a:r>
               <a:rPr lang="en-US" dirty="0" err="1" smtClean="0"/>
@@ -12910,6 +12925,10 @@
           </p:nvPr>
         </p:nvSpPr>
         <p:spPr>
+          <a:xfrm>
+            <a:off x="311700" y="160818"/>
+            <a:ext cx="8520600" cy="382879"/>
+          </a:xfrm>
           <a:ln w="38100">
             <a:solidFill>
               <a:srgbClr val="00B0F0"/>
@@ -12921,10 +12940,10 @@
           <a:lstStyle/>
           <a:p>
             <a:r>
-              <a:rPr lang="en-US" dirty="0" smtClean="0"/>
+              <a:rPr lang="en-US" sz="2000" dirty="0" smtClean="0"/>
               <a:t>Deploy !</a:t>
             </a:r>
-            <a:endParaRPr lang="en-US" dirty="0"/>
+            <a:endParaRPr lang="en-US" sz="2000" dirty="0"/>
           </a:p>
         </p:txBody>
       </p:sp>
@@ -12940,8 +12959,8 @@
         </p:nvSpPr>
         <p:spPr>
           <a:xfrm>
-            <a:off x="311700" y="1152474"/>
-            <a:ext cx="8520600" cy="3815765"/>
+            <a:off x="311700" y="642547"/>
+            <a:ext cx="8520600" cy="4300156"/>
           </a:xfrm>
           <a:ln w="38100">
             <a:solidFill>
@@ -12965,13 +12984,50 @@
               <a:buNone/>
             </a:pPr>
             <a:r>
-              <a:rPr lang="en-US" dirty="0" err="1" smtClean="0"/>
+              <a:rPr lang="en-US" sz="1600" dirty="0" smtClean="0"/>
+              <a:t>Create file </a:t>
+            </a:r>
+            <a:r>
+              <a:rPr lang="en-US" sz="1600" dirty="0" err="1" smtClean="0"/>
               <a:t>Index.php</a:t>
             </a:r>
             <a:r>
-              <a:rPr lang="en-US" dirty="0" smtClean="0"/>
-              <a:t> :</a:t>
-            </a:r>
+              <a:rPr lang="en-US" sz="1600" dirty="0" smtClean="0"/>
+              <a:t> </a:t>
+            </a:r>
+            <a:r>
+              <a:rPr lang="en-US" sz="1600" dirty="0" err="1" smtClean="0"/>
+              <a:t>dan</a:t>
+            </a:r>
+            <a:r>
+              <a:rPr lang="en-US" sz="1600" dirty="0" smtClean="0"/>
+              <a:t> </a:t>
+            </a:r>
+            <a:r>
+              <a:rPr lang="en-US" sz="1600" dirty="0" err="1" smtClean="0"/>
+              <a:t>isi</a:t>
+            </a:r>
+            <a:r>
+              <a:rPr lang="en-US" sz="1600" dirty="0" smtClean="0"/>
+              <a:t> </a:t>
+            </a:r>
+            <a:r>
+              <a:rPr lang="en-US" sz="1600" dirty="0" err="1" smtClean="0"/>
+              <a:t>dengan</a:t>
+            </a:r>
+            <a:r>
+              <a:rPr lang="en-US" sz="1600" dirty="0" smtClean="0"/>
+              <a:t> </a:t>
+            </a:r>
+            <a:r>
+              <a:rPr lang="en-US" sz="1600" dirty="0" err="1" smtClean="0"/>
+              <a:t>sbb</a:t>
+            </a:r>
+            <a:r>
+              <a:rPr lang="en-US" sz="1600" dirty="0" smtClean="0"/>
+              <a:t>:</a:t>
+            </a:r>
+            <a:endParaRPr lang="en-US" sz="1600" dirty="0" smtClean="0"/>
           </a:p>
           <a:p>
             <a:pPr lvl="0">
@@ -12985,7 +13041,7 @@
               <a:buSzTx/>
               <a:buNone/>
             </a:pPr>
-            <a:endParaRPr lang="en-US" dirty="0" smtClean="0"/>
+            <a:endParaRPr lang="en-US" sz="1600" dirty="0" smtClean="0"/>
           </a:p>
           <a:p>
             <a:pPr lvl="0">
@@ -13000,15 +13056,15 @@
               <a:buNone/>
             </a:pPr>
             <a:r>
-              <a:rPr lang="en-US" b="1" dirty="0" smtClean="0">
+              <a:rPr lang="en-US" sz="1600" b="1" dirty="0" smtClean="0">
                 <a:solidFill>
                   <a:srgbClr val="00B050"/>
                 </a:solidFill>
               </a:rPr>
-              <a:t>&lt;?</a:t>
-            </a:r>
-            <a:r>
-              <a:rPr lang="en-US" b="1" dirty="0" err="1">
+              <a:t>	&lt;?</a:t>
+            </a:r>
+            <a:r>
+              <a:rPr lang="en-US" sz="1600" b="1" dirty="0" err="1">
                 <a:solidFill>
                   <a:srgbClr val="00B050"/>
                 </a:solidFill>
@@ -13016,7 +13072,7 @@
               <a:t>php</a:t>
             </a:r>
             <a:r>
-              <a:rPr lang="en-US" b="1" dirty="0">
+              <a:rPr lang="en-US" sz="1600" b="1" dirty="0">
                 <a:solidFill>
                   <a:srgbClr val="00B050"/>
                 </a:solidFill>
@@ -13024,7 +13080,7 @@
               <a:t> header( 'Location: /</a:t>
             </a:r>
             <a:r>
-              <a:rPr lang="en-US" b="1" dirty="0" err="1">
+              <a:rPr lang="en-US" sz="1600" b="1" dirty="0" err="1">
                 <a:solidFill>
                   <a:srgbClr val="00B050"/>
                 </a:solidFill>
@@ -13032,7 +13088,7 @@
               <a:t>index.html</a:t>
             </a:r>
             <a:r>
-              <a:rPr lang="en-US" b="1" dirty="0">
+              <a:rPr lang="en-US" sz="1600" b="1" dirty="0">
                 <a:solidFill>
                   <a:srgbClr val="00B050"/>
                 </a:solidFill>
@@ -13040,7 +13096,7 @@
               <a:t>' ) ; </a:t>
             </a:r>
             <a:r>
-              <a:rPr lang="en-US" b="1" dirty="0" smtClean="0">
+              <a:rPr lang="en-US" sz="1600" b="1" dirty="0" smtClean="0">
                 <a:solidFill>
                   <a:srgbClr val="00B050"/>
                 </a:solidFill>
@@ -13060,7 +13116,7 @@
               <a:buSzTx/>
               <a:buNone/>
             </a:pPr>
-            <a:endParaRPr lang="en-US" dirty="0"/>
+            <a:endParaRPr lang="en-US" sz="1600" dirty="0"/>
           </a:p>
           <a:p>
             <a:pPr lvl="0">
@@ -13075,22 +13131,18 @@
               <a:buNone/>
             </a:pPr>
             <a:r>
-              <a:rPr lang="en-US" dirty="0" err="1"/>
+              <a:rPr lang="en-US" sz="1600" dirty="0" err="1"/>
               <a:t>git</a:t>
             </a:r>
             <a:r>
-              <a:rPr lang="en-US" dirty="0"/>
-              <a:t> </a:t>
-            </a:r>
-            <a:r>
-              <a:rPr lang="en-US" dirty="0" err="1"/>
-              <a:t>init</a:t>
-            </a:r>
-            <a:r>
-              <a:rPr lang="en-US" dirty="0"/>
-              <a:t> </a:t>
-            </a:r>
-            <a:endParaRPr lang="en-US" dirty="0" smtClean="0"/>
+              <a:rPr lang="en-US" sz="1600" dirty="0"/>
+              <a:t> </a:t>
+            </a:r>
+            <a:r>
+              <a:rPr lang="en-US" sz="1600" dirty="0" smtClean="0"/>
+              <a:t>status</a:t>
+            </a:r>
+            <a:endParaRPr lang="en-US" sz="1600" dirty="0" smtClean="0"/>
           </a:p>
           <a:p>
             <a:pPr lvl="0">
@@ -13104,22 +13156,7 @@
               <a:buSzTx/>
               <a:buNone/>
             </a:pPr>
-            <a:r>
-              <a:rPr lang="en-US" dirty="0" err="1" smtClean="0"/>
-              <a:t>git</a:t>
-            </a:r>
-            <a:r>
-              <a:rPr lang="en-US" dirty="0" smtClean="0"/>
-              <a:t> </a:t>
-            </a:r>
-            <a:r>
-              <a:rPr lang="en-US" dirty="0"/>
-              <a:t>add </a:t>
-            </a:r>
-            <a:r>
-              <a:rPr lang="en-US" dirty="0" smtClean="0"/>
-              <a:t>.</a:t>
-            </a:r>
+            <a:endParaRPr lang="en-US" sz="1600" dirty="0" smtClean="0"/>
           </a:p>
           <a:p>
             <a:pPr lvl="0">
@@ -13134,35 +13171,20 @@
               <a:buNone/>
             </a:pPr>
             <a:r>
-              <a:rPr lang="en-US" dirty="0" err="1"/>
+              <a:rPr lang="en-US" sz="1600" dirty="0" err="1" smtClean="0"/>
               <a:t>git</a:t>
             </a:r>
             <a:r>
-              <a:rPr lang="en-US" dirty="0"/>
-              <a:t> commit -m "My site ready for deployment." </a:t>
-            </a:r>
-            <a:br>
-              <a:rPr lang="en-US" dirty="0"/>
-            </a:br>
-            <a:r>
-              <a:rPr lang="en-US" dirty="0" err="1"/>
-              <a:t>heroku</a:t>
-            </a:r>
-            <a:r>
-              <a:rPr lang="en-US" dirty="0"/>
-              <a:t> </a:t>
-            </a:r>
-            <a:r>
-              <a:rPr lang="en-US" dirty="0" err="1"/>
-              <a:t>apps:create</a:t>
-            </a:r>
-            <a:r>
-              <a:rPr lang="en-US" dirty="0"/>
-              <a:t> </a:t>
-            </a:r>
-            <a:r>
-              <a:rPr lang="en-US" dirty="0" smtClean="0"/>
-              <a:t>my-site-example</a:t>
+              <a:rPr lang="en-US" sz="1600" dirty="0" smtClean="0"/>
+              <a:t> </a:t>
+            </a:r>
+            <a:r>
+              <a:rPr lang="en-US" sz="1600" dirty="0"/>
+              <a:t>add </a:t>
+            </a:r>
+            <a:r>
+              <a:rPr lang="en-US" sz="1600" dirty="0" smtClean="0"/>
+              <a:t>.</a:t>
             </a:r>
           </a:p>
           <a:p>
@@ -13177,26 +13199,7 @@
               <a:buSzTx/>
               <a:buNone/>
             </a:pPr>
-            <a:r>
-              <a:rPr lang="en-US" dirty="0" err="1"/>
-              <a:t>git</a:t>
-            </a:r>
-            <a:r>
-              <a:rPr lang="en-US" dirty="0"/>
-              <a:t> push </a:t>
-            </a:r>
-            <a:r>
-              <a:rPr lang="en-US" dirty="0" err="1"/>
-              <a:t>heroku</a:t>
-            </a:r>
-            <a:r>
-              <a:rPr lang="en-US" dirty="0"/>
-              <a:t> </a:t>
-            </a:r>
-            <a:r>
-              <a:rPr lang="en-US" dirty="0" smtClean="0"/>
-              <a:t>master</a:t>
-            </a:r>
+            <a:endParaRPr lang="en-US" sz="1600" dirty="0" smtClean="0"/>
           </a:p>
           <a:p>
             <a:pPr lvl="0">
@@ -13210,7 +13213,22 @@
               <a:buSzTx/>
               <a:buNone/>
             </a:pPr>
-            <a:endParaRPr lang="en-US" dirty="0" smtClean="0"/>
+            <a:r>
+              <a:rPr lang="en-US" sz="1600" dirty="0" err="1" smtClean="0"/>
+              <a:t>git</a:t>
+            </a:r>
+            <a:r>
+              <a:rPr lang="en-US" sz="1600" dirty="0" smtClean="0"/>
+              <a:t> </a:t>
+            </a:r>
+            <a:r>
+              <a:rPr lang="en-US" sz="1600" dirty="0"/>
+              <a:t>commit -m "My site ready for deployment</a:t>
+            </a:r>
+            <a:r>
+              <a:rPr lang="en-US" sz="1600" dirty="0" smtClean="0"/>
+              <a:t>.”</a:t>
+            </a:r>
           </a:p>
           <a:p>
             <a:pPr lvl="0">
@@ -13225,13 +13243,45 @@
               <a:buNone/>
             </a:pPr>
             <a:r>
-              <a:rPr lang="en-US" dirty="0"/>
-              <a:t>“remote: Verifying deploy…. done.”</a:t>
-            </a:r>
-            <a:r>
-              <a:rPr lang="en-US" dirty="0" smtClean="0"/>
-              <a:t> </a:t>
-            </a:r>
+              <a:rPr lang="en-US" sz="1600" dirty="0" smtClean="0"/>
+              <a:t> </a:t>
+            </a:r>
+            <a:r>
+              <a:rPr lang="en-US" sz="1600" dirty="0"/>
+              <a:t/>
+            </a:r>
+            <a:br>
+              <a:rPr lang="en-US" sz="1600" dirty="0"/>
+            </a:br>
+            <a:r>
+              <a:rPr lang="en-US" sz="1600" dirty="0" err="1"/>
+              <a:t>heroku</a:t>
+            </a:r>
+            <a:r>
+              <a:rPr lang="en-US" sz="1600" dirty="0"/>
+              <a:t> </a:t>
+            </a:r>
+            <a:r>
+              <a:rPr lang="en-US" sz="1600" dirty="0" err="1"/>
+              <a:t>apps:create</a:t>
+            </a:r>
+            <a:r>
+              <a:rPr lang="en-US" sz="1600" dirty="0"/>
+              <a:t> </a:t>
+            </a:r>
+            <a:r>
+              <a:rPr lang="en-US" sz="1600" dirty="0" err="1" smtClean="0"/>
+              <a:t>nama</a:t>
+            </a:r>
+            <a:r>
+              <a:rPr lang="en-US" sz="1600" dirty="0" smtClean="0"/>
+              <a:t>-web-</a:t>
+            </a:r>
+            <a:r>
+              <a:rPr lang="en-US" sz="1600" dirty="0" err="1" smtClean="0"/>
+              <a:t>anda</a:t>
+            </a:r>
+            <a:endParaRPr lang="en-US" sz="1600" dirty="0" smtClean="0"/>
           </a:p>
           <a:p>
             <a:pPr lvl="0">
@@ -13246,15 +13296,141 @@
               <a:buNone/>
             </a:pPr>
             <a:r>
-              <a:rPr lang="en-US" dirty="0" err="1"/>
+              <a:rPr lang="en-US" sz="1600" dirty="0" smtClean="0"/>
+              <a:t/>
+            </a:r>
+            <a:br>
+              <a:rPr lang="en-US" sz="1600" dirty="0" smtClean="0"/>
+            </a:br>
+            <a:r>
+              <a:rPr lang="en-US" sz="1600" dirty="0" err="1" smtClean="0"/>
+              <a:t>git</a:t>
+            </a:r>
+            <a:r>
+              <a:rPr lang="en-US" sz="1600" dirty="0" smtClean="0"/>
+              <a:t> </a:t>
+            </a:r>
+            <a:r>
+              <a:rPr lang="en-US" sz="1600" dirty="0"/>
+              <a:t>push </a:t>
+            </a:r>
+            <a:r>
+              <a:rPr lang="en-US" sz="1600" dirty="0" err="1"/>
+              <a:t>heroku</a:t>
+            </a:r>
+            <a:r>
+              <a:rPr lang="en-US" sz="1600" dirty="0"/>
+              <a:t> </a:t>
+            </a:r>
+            <a:r>
+              <a:rPr lang="en-US" sz="1600" dirty="0" smtClean="0"/>
+              <a:t>master</a:t>
+            </a:r>
+          </a:p>
+          <a:p>
+            <a:pPr lvl="0">
+              <a:lnSpc>
+                <a:spcPct val="100000"/>
+              </a:lnSpc>
+              <a:spcAft>
+                <a:spcPts val="0"/>
+              </a:spcAft>
+              <a:buClrTx/>
+              <a:buSzTx/>
+              <a:buNone/>
+            </a:pPr>
+            <a:endParaRPr lang="en-US" sz="1600" dirty="0" smtClean="0"/>
+          </a:p>
+          <a:p>
+            <a:pPr lvl="0">
+              <a:lnSpc>
+                <a:spcPct val="100000"/>
+              </a:lnSpc>
+              <a:spcAft>
+                <a:spcPts val="0"/>
+              </a:spcAft>
+              <a:buClrTx/>
+              <a:buSzTx/>
+              <a:buNone/>
+            </a:pPr>
+            <a:r>
+              <a:rPr lang="en-US" sz="1600" dirty="0" err="1" smtClean="0"/>
+              <a:t>Hasilnya</a:t>
+            </a:r>
+            <a:r>
+              <a:rPr lang="en-US" sz="1600" dirty="0" smtClean="0"/>
+              <a:t> </a:t>
+            </a:r>
+            <a:r>
+              <a:rPr lang="en-US" sz="1600" dirty="0" err="1" smtClean="0"/>
+              <a:t>akan</a:t>
+            </a:r>
+            <a:r>
+              <a:rPr lang="en-US" sz="1600" dirty="0" smtClean="0"/>
+              <a:t> </a:t>
+            </a:r>
+            <a:r>
+              <a:rPr lang="en-US" sz="1600" dirty="0" err="1" smtClean="0"/>
+              <a:t>seperti</a:t>
+            </a:r>
+            <a:r>
+              <a:rPr lang="en-US" sz="1600" dirty="0" smtClean="0"/>
+              <a:t> </a:t>
+            </a:r>
+            <a:r>
+              <a:rPr lang="en-US" sz="1600" dirty="0" err="1" smtClean="0"/>
+              <a:t>ini</a:t>
+            </a:r>
+            <a:r>
+              <a:rPr lang="en-US" sz="1600" dirty="0" smtClean="0"/>
+              <a:t> : “remote</a:t>
+            </a:r>
+            <a:r>
+              <a:rPr lang="en-US" sz="1600" dirty="0"/>
+              <a:t>: Verifying deploy…. done.”</a:t>
+            </a:r>
+            <a:r>
+              <a:rPr lang="en-US" sz="1600" dirty="0" smtClean="0"/>
+              <a:t> </a:t>
+            </a:r>
+            <a:endParaRPr lang="en-US" sz="1600" dirty="0" smtClean="0"/>
+          </a:p>
+          <a:p>
+            <a:pPr lvl="0">
+              <a:lnSpc>
+                <a:spcPct val="100000"/>
+              </a:lnSpc>
+              <a:spcAft>
+                <a:spcPts val="0"/>
+              </a:spcAft>
+              <a:buClrTx/>
+              <a:buSzTx/>
+              <a:buNone/>
+            </a:pPr>
+            <a:endParaRPr lang="en-US" sz="1600" dirty="0" smtClean="0"/>
+          </a:p>
+          <a:p>
+            <a:pPr lvl="0">
+              <a:lnSpc>
+                <a:spcPct val="100000"/>
+              </a:lnSpc>
+              <a:spcAft>
+                <a:spcPts val="0"/>
+              </a:spcAft>
+              <a:buClrTx/>
+              <a:buSzTx/>
+              <a:buNone/>
+            </a:pPr>
+            <a:r>
+              <a:rPr lang="en-US" sz="1600" dirty="0" err="1"/>
               <a:t>h</a:t>
             </a:r>
             <a:r>
-              <a:rPr lang="en-US" dirty="0" err="1" smtClean="0"/>
+              <a:rPr lang="en-US" sz="1600" dirty="0" err="1" smtClean="0"/>
               <a:t>eroku</a:t>
             </a:r>
             <a:r>
-              <a:rPr lang="en-US" dirty="0" smtClean="0"/>
+              <a:rPr lang="en-US" sz="1600" dirty="0" smtClean="0"/>
               <a:t> open</a:t>
             </a:r>
             <a:r>
